--- a/tabellone.pptx
+++ b/tabellone.pptx
@@ -2,12 +2,12 @@
 <file path=ppt/presentation.xml><?xml version="1.0" encoding="utf-8"?>
 <p:presentation xmlns:a="http://schemas.openxmlformats.org/drawingml/2006/main" xmlns:r="http://schemas.openxmlformats.org/officeDocument/2006/relationships" xmlns:p="http://schemas.openxmlformats.org/presentationml/2006/main" saveSubsetFonts="1">
   <p:sldMasterIdLst>
-    <p:sldMasterId id="2147483660" r:id="rId1"/>
+    <p:sldMasterId id="2147483672" r:id="rId1"/>
   </p:sldMasterIdLst>
   <p:sldIdLst>
     <p:sldId id="256" r:id="rId2"/>
   </p:sldIdLst>
-  <p:sldSz cx="6858000" cy="12192000"/>
+  <p:sldSz cx="21674138" cy="12192000"/>
   <p:notesSz cx="6858000" cy="9144000"/>
   <p:defaultTextStyle>
     <a:defPPr>
@@ -104,6 +104,11 @@
       </a:defRPr>
     </a:lvl9pPr>
   </p:defaultTextStyle>
+  <p:extLst>
+    <p:ext uri="{EFAFB233-063F-42B5-8137-9DF3F51BA10A}">
+      <p15:sldGuideLst xmlns:p15="http://schemas.microsoft.com/office/powerpoint/2012/main"/>
+    </p:ext>
+  </p:extLst>
 </p:presentation>
 </file>
 
@@ -136,15 +141,15 @@
         </p:nvSpPr>
         <p:spPr>
           <a:xfrm>
-            <a:off x="514350" y="1995312"/>
-            <a:ext cx="5829300" cy="4244622"/>
+            <a:off x="2709267" y="1995312"/>
+            <a:ext cx="16255604" cy="4244622"/>
           </a:xfrm>
         </p:spPr>
         <p:txBody>
           <a:bodyPr anchor="b"/>
           <a:lstStyle>
             <a:lvl1pPr algn="ctr">
-              <a:defRPr sz="4500"/>
+              <a:defRPr sz="10666"/>
             </a:lvl1pPr>
           </a:lstStyle>
           <a:p>
@@ -168,8 +173,8 @@
         </p:nvSpPr>
         <p:spPr>
           <a:xfrm>
-            <a:off x="857250" y="6403623"/>
-            <a:ext cx="5143500" cy="2943577"/>
+            <a:off x="2709267" y="6403623"/>
+            <a:ext cx="16255604" cy="2943577"/>
           </a:xfrm>
         </p:spPr>
         <p:txBody>
@@ -177,39 +182,39 @@
           <a:lstStyle>
             <a:lvl1pPr marL="0" indent="0" algn="ctr">
               <a:buNone/>
-              <a:defRPr sz="1801"/>
+              <a:defRPr sz="4266"/>
             </a:lvl1pPr>
-            <a:lvl2pPr marL="342909" indent="0" algn="ctr">
-              <a:buNone/>
-              <a:defRPr sz="1500"/>
+            <a:lvl2pPr marL="812764" indent="0" algn="ctr">
+              <a:buNone/>
+              <a:defRPr sz="3555"/>
             </a:lvl2pPr>
-            <a:lvl3pPr marL="685817" indent="0" algn="ctr">
-              <a:buNone/>
-              <a:defRPr sz="1349"/>
+            <a:lvl3pPr marL="1625529" indent="0" algn="ctr">
+              <a:buNone/>
+              <a:defRPr sz="3200"/>
             </a:lvl3pPr>
-            <a:lvl4pPr marL="1028726" indent="0" algn="ctr">
-              <a:buNone/>
-              <a:defRPr sz="1200"/>
+            <a:lvl4pPr marL="2438293" indent="0" algn="ctr">
+              <a:buNone/>
+              <a:defRPr sz="2844"/>
             </a:lvl4pPr>
-            <a:lvl5pPr marL="1371635" indent="0" algn="ctr">
-              <a:buNone/>
-              <a:defRPr sz="1200"/>
+            <a:lvl5pPr marL="3251058" indent="0" algn="ctr">
+              <a:buNone/>
+              <a:defRPr sz="2844"/>
             </a:lvl5pPr>
-            <a:lvl6pPr marL="1714542" indent="0" algn="ctr">
-              <a:buNone/>
-              <a:defRPr sz="1200"/>
+            <a:lvl6pPr marL="4063822" indent="0" algn="ctr">
+              <a:buNone/>
+              <a:defRPr sz="2844"/>
             </a:lvl6pPr>
-            <a:lvl7pPr marL="2057451" indent="0" algn="ctr">
-              <a:buNone/>
-              <a:defRPr sz="1200"/>
+            <a:lvl7pPr marL="4876587" indent="0" algn="ctr">
+              <a:buNone/>
+              <a:defRPr sz="2844"/>
             </a:lvl7pPr>
-            <a:lvl8pPr marL="2400361" indent="0" algn="ctr">
-              <a:buNone/>
-              <a:defRPr sz="1200"/>
+            <a:lvl8pPr marL="5689351" indent="0" algn="ctr">
+              <a:buNone/>
+              <a:defRPr sz="2844"/>
             </a:lvl8pPr>
-            <a:lvl9pPr marL="2743268" indent="0" algn="ctr">
-              <a:buNone/>
-              <a:defRPr sz="1200"/>
+            <a:lvl9pPr marL="6502116" indent="0" algn="ctr">
+              <a:buNone/>
+              <a:defRPr sz="2844"/>
             </a:lvl9pPr>
           </a:lstStyle>
           <a:p>
@@ -289,7 +294,7 @@
     </p:spTree>
     <p:extLst>
       <p:ext uri="{BB962C8B-B14F-4D97-AF65-F5344CB8AC3E}">
-        <p14:creationId xmlns:p14="http://schemas.microsoft.com/office/powerpoint/2010/main" val="3403715924"/>
+        <p14:creationId xmlns:p14="http://schemas.microsoft.com/office/powerpoint/2010/main" val="1912437389"/>
       </p:ext>
     </p:extLst>
   </p:cSld>
@@ -459,7 +464,7 @@
     </p:spTree>
     <p:extLst>
       <p:ext uri="{BB962C8B-B14F-4D97-AF65-F5344CB8AC3E}">
-        <p14:creationId xmlns:p14="http://schemas.microsoft.com/office/powerpoint/2010/main" val="1995172800"/>
+        <p14:creationId xmlns:p14="http://schemas.microsoft.com/office/powerpoint/2010/main" val="1268232406"/>
       </p:ext>
     </p:extLst>
   </p:cSld>
@@ -498,8 +503,8 @@
         </p:nvSpPr>
         <p:spPr>
           <a:xfrm>
-            <a:off x="4907757" y="649111"/>
-            <a:ext cx="1478756" cy="10332156"/>
+            <a:off x="15510555" y="649111"/>
+            <a:ext cx="4673486" cy="10332156"/>
           </a:xfrm>
         </p:spPr>
         <p:txBody>
@@ -526,8 +531,8 @@
         </p:nvSpPr>
         <p:spPr>
           <a:xfrm>
-            <a:off x="471488" y="649111"/>
-            <a:ext cx="4350544" cy="10332156"/>
+            <a:off x="1490097" y="649111"/>
+            <a:ext cx="13749531" cy="10332156"/>
           </a:xfrm>
         </p:spPr>
         <p:txBody>
@@ -639,7 +644,7 @@
     </p:spTree>
     <p:extLst>
       <p:ext uri="{BB962C8B-B14F-4D97-AF65-F5344CB8AC3E}">
-        <p14:creationId xmlns:p14="http://schemas.microsoft.com/office/powerpoint/2010/main" val="2984060149"/>
+        <p14:creationId xmlns:p14="http://schemas.microsoft.com/office/powerpoint/2010/main" val="1981063075"/>
       </p:ext>
     </p:extLst>
   </p:cSld>
@@ -809,7 +814,7 @@
     </p:spTree>
     <p:extLst>
       <p:ext uri="{BB962C8B-B14F-4D97-AF65-F5344CB8AC3E}">
-        <p14:creationId xmlns:p14="http://schemas.microsoft.com/office/powerpoint/2010/main" val="2359193320"/>
+        <p14:creationId xmlns:p14="http://schemas.microsoft.com/office/powerpoint/2010/main" val="34109842"/>
       </p:ext>
     </p:extLst>
   </p:cSld>
@@ -848,15 +853,15 @@
         </p:nvSpPr>
         <p:spPr>
           <a:xfrm>
-            <a:off x="467917" y="3039537"/>
-            <a:ext cx="5915025" cy="5071532"/>
+            <a:off x="1478808" y="3039535"/>
+            <a:ext cx="18693944" cy="5071532"/>
           </a:xfrm>
         </p:spPr>
         <p:txBody>
           <a:bodyPr anchor="b"/>
           <a:lstStyle>
             <a:lvl1pPr>
-              <a:defRPr sz="4500"/>
+              <a:defRPr sz="10666"/>
             </a:lvl1pPr>
           </a:lstStyle>
           <a:p>
@@ -880,8 +885,8 @@
         </p:nvSpPr>
         <p:spPr>
           <a:xfrm>
-            <a:off x="467917" y="8159052"/>
-            <a:ext cx="5915025" cy="2666999"/>
+            <a:off x="1478808" y="8159046"/>
+            <a:ext cx="18693944" cy="2666999"/>
           </a:xfrm>
         </p:spPr>
         <p:txBody>
@@ -889,15 +894,17 @@
           <a:lstStyle>
             <a:lvl1pPr marL="0" indent="0">
               <a:buNone/>
-              <a:defRPr sz="1801">
+              <a:defRPr sz="4266">
                 <a:solidFill>
-                  <a:schemeClr val="tx1"/>
+                  <a:schemeClr val="tx1">
+                    <a:tint val="75000"/>
+                  </a:schemeClr>
                 </a:solidFill>
               </a:defRPr>
             </a:lvl1pPr>
-            <a:lvl2pPr marL="342909" indent="0">
-              <a:buNone/>
-              <a:defRPr sz="1500">
+            <a:lvl2pPr marL="812764" indent="0">
+              <a:buNone/>
+              <a:defRPr sz="3555">
                 <a:solidFill>
                   <a:schemeClr val="tx1">
                     <a:tint val="75000"/>
@@ -905,9 +912,9 @@
                 </a:solidFill>
               </a:defRPr>
             </a:lvl2pPr>
-            <a:lvl3pPr marL="685817" indent="0">
-              <a:buNone/>
-              <a:defRPr sz="1349">
+            <a:lvl3pPr marL="1625529" indent="0">
+              <a:buNone/>
+              <a:defRPr sz="3200">
                 <a:solidFill>
                   <a:schemeClr val="tx1">
                     <a:tint val="75000"/>
@@ -915,9 +922,9 @@
                 </a:solidFill>
               </a:defRPr>
             </a:lvl3pPr>
-            <a:lvl4pPr marL="1028726" indent="0">
-              <a:buNone/>
-              <a:defRPr sz="1200">
+            <a:lvl4pPr marL="2438293" indent="0">
+              <a:buNone/>
+              <a:defRPr sz="2844">
                 <a:solidFill>
                   <a:schemeClr val="tx1">
                     <a:tint val="75000"/>
@@ -925,9 +932,9 @@
                 </a:solidFill>
               </a:defRPr>
             </a:lvl4pPr>
-            <a:lvl5pPr marL="1371635" indent="0">
-              <a:buNone/>
-              <a:defRPr sz="1200">
+            <a:lvl5pPr marL="3251058" indent="0">
+              <a:buNone/>
+              <a:defRPr sz="2844">
                 <a:solidFill>
                   <a:schemeClr val="tx1">
                     <a:tint val="75000"/>
@@ -935,9 +942,9 @@
                 </a:solidFill>
               </a:defRPr>
             </a:lvl5pPr>
-            <a:lvl6pPr marL="1714542" indent="0">
-              <a:buNone/>
-              <a:defRPr sz="1200">
+            <a:lvl6pPr marL="4063822" indent="0">
+              <a:buNone/>
+              <a:defRPr sz="2844">
                 <a:solidFill>
                   <a:schemeClr val="tx1">
                     <a:tint val="75000"/>
@@ -945,9 +952,9 @@
                 </a:solidFill>
               </a:defRPr>
             </a:lvl6pPr>
-            <a:lvl7pPr marL="2057451" indent="0">
-              <a:buNone/>
-              <a:defRPr sz="1200">
+            <a:lvl7pPr marL="4876587" indent="0">
+              <a:buNone/>
+              <a:defRPr sz="2844">
                 <a:solidFill>
                   <a:schemeClr val="tx1">
                     <a:tint val="75000"/>
@@ -955,9 +962,9 @@
                 </a:solidFill>
               </a:defRPr>
             </a:lvl7pPr>
-            <a:lvl8pPr marL="2400361" indent="0">
-              <a:buNone/>
-              <a:defRPr sz="1200">
+            <a:lvl8pPr marL="5689351" indent="0">
+              <a:buNone/>
+              <a:defRPr sz="2844">
                 <a:solidFill>
                   <a:schemeClr val="tx1">
                     <a:tint val="75000"/>
@@ -965,9 +972,9 @@
                 </a:solidFill>
               </a:defRPr>
             </a:lvl8pPr>
-            <a:lvl9pPr marL="2743268" indent="0">
-              <a:buNone/>
-              <a:defRPr sz="1200">
+            <a:lvl9pPr marL="6502116" indent="0">
+              <a:buNone/>
+              <a:defRPr sz="2844">
                 <a:solidFill>
                   <a:schemeClr val="tx1">
                     <a:tint val="75000"/>
@@ -1053,7 +1060,7 @@
     </p:spTree>
     <p:extLst>
       <p:ext uri="{BB962C8B-B14F-4D97-AF65-F5344CB8AC3E}">
-        <p14:creationId xmlns:p14="http://schemas.microsoft.com/office/powerpoint/2010/main" val="3278946777"/>
+        <p14:creationId xmlns:p14="http://schemas.microsoft.com/office/powerpoint/2010/main" val="2779874358"/>
       </p:ext>
     </p:extLst>
   </p:cSld>
@@ -1115,8 +1122,8 @@
         </p:nvSpPr>
         <p:spPr>
           <a:xfrm>
-            <a:off x="471488" y="3245556"/>
-            <a:ext cx="2914650" cy="7735712"/>
+            <a:off x="1490097" y="3245556"/>
+            <a:ext cx="9211509" cy="7735712"/>
           </a:xfrm>
         </p:spPr>
         <p:txBody>
@@ -1172,8 +1179,8 @@
         </p:nvSpPr>
         <p:spPr>
           <a:xfrm>
-            <a:off x="3471863" y="3245556"/>
-            <a:ext cx="2914650" cy="7735712"/>
+            <a:off x="10972532" y="3245556"/>
+            <a:ext cx="9211509" cy="7735712"/>
           </a:xfrm>
         </p:spPr>
         <p:txBody>
@@ -1285,7 +1292,7 @@
     </p:spTree>
     <p:extLst>
       <p:ext uri="{BB962C8B-B14F-4D97-AF65-F5344CB8AC3E}">
-        <p14:creationId xmlns:p14="http://schemas.microsoft.com/office/powerpoint/2010/main" val="1094886188"/>
+        <p14:creationId xmlns:p14="http://schemas.microsoft.com/office/powerpoint/2010/main" val="3151536317"/>
       </p:ext>
     </p:extLst>
   </p:cSld>
@@ -1324,8 +1331,8 @@
         </p:nvSpPr>
         <p:spPr>
           <a:xfrm>
-            <a:off x="472381" y="649118"/>
-            <a:ext cx="5915025" cy="2356556"/>
+            <a:off x="1492920" y="649112"/>
+            <a:ext cx="18693944" cy="2356556"/>
           </a:xfrm>
         </p:spPr>
         <p:txBody>
@@ -1352,8 +1359,8 @@
         </p:nvSpPr>
         <p:spPr>
           <a:xfrm>
-            <a:off x="472383" y="2988734"/>
-            <a:ext cx="2901255" cy="1464732"/>
+            <a:off x="1492921" y="2988734"/>
+            <a:ext cx="9169175" cy="1464732"/>
           </a:xfrm>
         </p:spPr>
         <p:txBody>
@@ -1361,39 +1368,39 @@
           <a:lstStyle>
             <a:lvl1pPr marL="0" indent="0">
               <a:buNone/>
-              <a:defRPr sz="1801" b="1"/>
+              <a:defRPr sz="4266" b="1"/>
             </a:lvl1pPr>
-            <a:lvl2pPr marL="342909" indent="0">
-              <a:buNone/>
-              <a:defRPr sz="1500" b="1"/>
+            <a:lvl2pPr marL="812764" indent="0">
+              <a:buNone/>
+              <a:defRPr sz="3555" b="1"/>
             </a:lvl2pPr>
-            <a:lvl3pPr marL="685817" indent="0">
-              <a:buNone/>
-              <a:defRPr sz="1349" b="1"/>
+            <a:lvl3pPr marL="1625529" indent="0">
+              <a:buNone/>
+              <a:defRPr sz="3200" b="1"/>
             </a:lvl3pPr>
-            <a:lvl4pPr marL="1028726" indent="0">
-              <a:buNone/>
-              <a:defRPr sz="1200" b="1"/>
+            <a:lvl4pPr marL="2438293" indent="0">
+              <a:buNone/>
+              <a:defRPr sz="2844" b="1"/>
             </a:lvl4pPr>
-            <a:lvl5pPr marL="1371635" indent="0">
-              <a:buNone/>
-              <a:defRPr sz="1200" b="1"/>
+            <a:lvl5pPr marL="3251058" indent="0">
+              <a:buNone/>
+              <a:defRPr sz="2844" b="1"/>
             </a:lvl5pPr>
-            <a:lvl6pPr marL="1714542" indent="0">
-              <a:buNone/>
-              <a:defRPr sz="1200" b="1"/>
+            <a:lvl6pPr marL="4063822" indent="0">
+              <a:buNone/>
+              <a:defRPr sz="2844" b="1"/>
             </a:lvl6pPr>
-            <a:lvl7pPr marL="2057451" indent="0">
-              <a:buNone/>
-              <a:defRPr sz="1200" b="1"/>
+            <a:lvl7pPr marL="4876587" indent="0">
+              <a:buNone/>
+              <a:defRPr sz="2844" b="1"/>
             </a:lvl7pPr>
-            <a:lvl8pPr marL="2400361" indent="0">
-              <a:buNone/>
-              <a:defRPr sz="1200" b="1"/>
+            <a:lvl8pPr marL="5689351" indent="0">
+              <a:buNone/>
+              <a:defRPr sz="2844" b="1"/>
             </a:lvl8pPr>
-            <a:lvl9pPr marL="2743268" indent="0">
-              <a:buNone/>
-              <a:defRPr sz="1200" b="1"/>
+            <a:lvl9pPr marL="6502116" indent="0">
+              <a:buNone/>
+              <a:defRPr sz="2844" b="1"/>
             </a:lvl9pPr>
           </a:lstStyle>
           <a:p>
@@ -1417,8 +1424,8 @@
         </p:nvSpPr>
         <p:spPr>
           <a:xfrm>
-            <a:off x="472383" y="4453468"/>
-            <a:ext cx="2901255" cy="6550379"/>
+            <a:off x="1492921" y="4453467"/>
+            <a:ext cx="9169175" cy="6550379"/>
           </a:xfrm>
         </p:spPr>
         <p:txBody>
@@ -1474,8 +1481,8 @@
         </p:nvSpPr>
         <p:spPr>
           <a:xfrm>
-            <a:off x="3471864" y="2988734"/>
-            <a:ext cx="2915543" cy="1464732"/>
+            <a:off x="10972532" y="2988734"/>
+            <a:ext cx="9214332" cy="1464732"/>
           </a:xfrm>
         </p:spPr>
         <p:txBody>
@@ -1483,39 +1490,39 @@
           <a:lstStyle>
             <a:lvl1pPr marL="0" indent="0">
               <a:buNone/>
-              <a:defRPr sz="1801" b="1"/>
+              <a:defRPr sz="4266" b="1"/>
             </a:lvl1pPr>
-            <a:lvl2pPr marL="342909" indent="0">
-              <a:buNone/>
-              <a:defRPr sz="1500" b="1"/>
+            <a:lvl2pPr marL="812764" indent="0">
+              <a:buNone/>
+              <a:defRPr sz="3555" b="1"/>
             </a:lvl2pPr>
-            <a:lvl3pPr marL="685817" indent="0">
-              <a:buNone/>
-              <a:defRPr sz="1349" b="1"/>
+            <a:lvl3pPr marL="1625529" indent="0">
+              <a:buNone/>
+              <a:defRPr sz="3200" b="1"/>
             </a:lvl3pPr>
-            <a:lvl4pPr marL="1028726" indent="0">
-              <a:buNone/>
-              <a:defRPr sz="1200" b="1"/>
+            <a:lvl4pPr marL="2438293" indent="0">
+              <a:buNone/>
+              <a:defRPr sz="2844" b="1"/>
             </a:lvl4pPr>
-            <a:lvl5pPr marL="1371635" indent="0">
-              <a:buNone/>
-              <a:defRPr sz="1200" b="1"/>
+            <a:lvl5pPr marL="3251058" indent="0">
+              <a:buNone/>
+              <a:defRPr sz="2844" b="1"/>
             </a:lvl5pPr>
-            <a:lvl6pPr marL="1714542" indent="0">
-              <a:buNone/>
-              <a:defRPr sz="1200" b="1"/>
+            <a:lvl6pPr marL="4063822" indent="0">
+              <a:buNone/>
+              <a:defRPr sz="2844" b="1"/>
             </a:lvl6pPr>
-            <a:lvl7pPr marL="2057451" indent="0">
-              <a:buNone/>
-              <a:defRPr sz="1200" b="1"/>
+            <a:lvl7pPr marL="4876587" indent="0">
+              <a:buNone/>
+              <a:defRPr sz="2844" b="1"/>
             </a:lvl7pPr>
-            <a:lvl8pPr marL="2400361" indent="0">
-              <a:buNone/>
-              <a:defRPr sz="1200" b="1"/>
+            <a:lvl8pPr marL="5689351" indent="0">
+              <a:buNone/>
+              <a:defRPr sz="2844" b="1"/>
             </a:lvl8pPr>
-            <a:lvl9pPr marL="2743268" indent="0">
-              <a:buNone/>
-              <a:defRPr sz="1200" b="1"/>
+            <a:lvl9pPr marL="6502116" indent="0">
+              <a:buNone/>
+              <a:defRPr sz="2844" b="1"/>
             </a:lvl9pPr>
           </a:lstStyle>
           <a:p>
@@ -1539,8 +1546,8 @@
         </p:nvSpPr>
         <p:spPr>
           <a:xfrm>
-            <a:off x="3471864" y="4453468"/>
-            <a:ext cx="2915543" cy="6550379"/>
+            <a:off x="10972532" y="4453467"/>
+            <a:ext cx="9214332" cy="6550379"/>
           </a:xfrm>
         </p:spPr>
         <p:txBody>
@@ -1652,7 +1659,7 @@
     </p:spTree>
     <p:extLst>
       <p:ext uri="{BB962C8B-B14F-4D97-AF65-F5344CB8AC3E}">
-        <p14:creationId xmlns:p14="http://schemas.microsoft.com/office/powerpoint/2010/main" val="800159338"/>
+        <p14:creationId xmlns:p14="http://schemas.microsoft.com/office/powerpoint/2010/main" val="1165629679"/>
       </p:ext>
     </p:extLst>
   </p:cSld>
@@ -1770,7 +1777,7 @@
     </p:spTree>
     <p:extLst>
       <p:ext uri="{BB962C8B-B14F-4D97-AF65-F5344CB8AC3E}">
-        <p14:creationId xmlns:p14="http://schemas.microsoft.com/office/powerpoint/2010/main" val="4287120851"/>
+        <p14:creationId xmlns:p14="http://schemas.microsoft.com/office/powerpoint/2010/main" val="3392091635"/>
       </p:ext>
     </p:extLst>
   </p:cSld>
@@ -1865,7 +1872,7 @@
     </p:spTree>
     <p:extLst>
       <p:ext uri="{BB962C8B-B14F-4D97-AF65-F5344CB8AC3E}">
-        <p14:creationId xmlns:p14="http://schemas.microsoft.com/office/powerpoint/2010/main" val="4113370380"/>
+        <p14:creationId xmlns:p14="http://schemas.microsoft.com/office/powerpoint/2010/main" val="3741235189"/>
       </p:ext>
     </p:extLst>
   </p:cSld>
@@ -1904,15 +1911,15 @@
         </p:nvSpPr>
         <p:spPr>
           <a:xfrm>
-            <a:off x="472381" y="812800"/>
-            <a:ext cx="2211884" cy="2844800"/>
+            <a:off x="1492921" y="812800"/>
+            <a:ext cx="6990473" cy="2844800"/>
           </a:xfrm>
         </p:spPr>
         <p:txBody>
           <a:bodyPr anchor="b"/>
           <a:lstStyle>
             <a:lvl1pPr>
-              <a:defRPr sz="2400"/>
+              <a:defRPr sz="5689"/>
             </a:lvl1pPr>
           </a:lstStyle>
           <a:p>
@@ -1936,39 +1943,39 @@
         </p:nvSpPr>
         <p:spPr>
           <a:xfrm>
-            <a:off x="2915545" y="1755429"/>
-            <a:ext cx="3471863" cy="8664222"/>
+            <a:off x="9214332" y="1755423"/>
+            <a:ext cx="10972532" cy="8664222"/>
           </a:xfrm>
         </p:spPr>
         <p:txBody>
           <a:bodyPr/>
           <a:lstStyle>
             <a:lvl1pPr>
-              <a:defRPr sz="2400"/>
+              <a:defRPr sz="5689"/>
             </a:lvl1pPr>
             <a:lvl2pPr>
-              <a:defRPr sz="2100"/>
+              <a:defRPr sz="4978"/>
             </a:lvl2pPr>
             <a:lvl3pPr>
-              <a:defRPr sz="1801"/>
+              <a:defRPr sz="4266"/>
             </a:lvl3pPr>
             <a:lvl4pPr>
-              <a:defRPr sz="1500"/>
+              <a:defRPr sz="3555"/>
             </a:lvl4pPr>
             <a:lvl5pPr>
-              <a:defRPr sz="1500"/>
+              <a:defRPr sz="3555"/>
             </a:lvl5pPr>
             <a:lvl6pPr>
-              <a:defRPr sz="1500"/>
+              <a:defRPr sz="3555"/>
             </a:lvl6pPr>
             <a:lvl7pPr>
-              <a:defRPr sz="1500"/>
+              <a:defRPr sz="3555"/>
             </a:lvl7pPr>
             <a:lvl8pPr>
-              <a:defRPr sz="1500"/>
+              <a:defRPr sz="3555"/>
             </a:lvl8pPr>
             <a:lvl9pPr>
-              <a:defRPr sz="1500"/>
+              <a:defRPr sz="3555"/>
             </a:lvl9pPr>
           </a:lstStyle>
           <a:p>
@@ -2021,8 +2028,8 @@
         </p:nvSpPr>
         <p:spPr>
           <a:xfrm>
-            <a:off x="472381" y="3657600"/>
-            <a:ext cx="2211884" cy="6776156"/>
+            <a:off x="1492921" y="3657600"/>
+            <a:ext cx="6990473" cy="6776156"/>
           </a:xfrm>
         </p:spPr>
         <p:txBody>
@@ -2030,39 +2037,39 @@
           <a:lstStyle>
             <a:lvl1pPr marL="0" indent="0">
               <a:buNone/>
-              <a:defRPr sz="1200"/>
+              <a:defRPr sz="2844"/>
             </a:lvl1pPr>
-            <a:lvl2pPr marL="342909" indent="0">
-              <a:buNone/>
-              <a:defRPr sz="1051"/>
+            <a:lvl2pPr marL="812764" indent="0">
+              <a:buNone/>
+              <a:defRPr sz="2489"/>
             </a:lvl2pPr>
-            <a:lvl3pPr marL="685817" indent="0">
-              <a:buNone/>
-              <a:defRPr sz="900"/>
+            <a:lvl3pPr marL="1625529" indent="0">
+              <a:buNone/>
+              <a:defRPr sz="2133"/>
             </a:lvl3pPr>
-            <a:lvl4pPr marL="1028726" indent="0">
-              <a:buNone/>
-              <a:defRPr sz="750"/>
+            <a:lvl4pPr marL="2438293" indent="0">
+              <a:buNone/>
+              <a:defRPr sz="1778"/>
             </a:lvl4pPr>
-            <a:lvl5pPr marL="1371635" indent="0">
-              <a:buNone/>
-              <a:defRPr sz="750"/>
+            <a:lvl5pPr marL="3251058" indent="0">
+              <a:buNone/>
+              <a:defRPr sz="1778"/>
             </a:lvl5pPr>
-            <a:lvl6pPr marL="1714542" indent="0">
-              <a:buNone/>
-              <a:defRPr sz="750"/>
+            <a:lvl6pPr marL="4063822" indent="0">
+              <a:buNone/>
+              <a:defRPr sz="1778"/>
             </a:lvl6pPr>
-            <a:lvl7pPr marL="2057451" indent="0">
-              <a:buNone/>
-              <a:defRPr sz="750"/>
+            <a:lvl7pPr marL="4876587" indent="0">
+              <a:buNone/>
+              <a:defRPr sz="1778"/>
             </a:lvl7pPr>
-            <a:lvl8pPr marL="2400361" indent="0">
-              <a:buNone/>
-              <a:defRPr sz="750"/>
+            <a:lvl8pPr marL="5689351" indent="0">
+              <a:buNone/>
+              <a:defRPr sz="1778"/>
             </a:lvl8pPr>
-            <a:lvl9pPr marL="2743268" indent="0">
-              <a:buNone/>
-              <a:defRPr sz="750"/>
+            <a:lvl9pPr marL="6502116" indent="0">
+              <a:buNone/>
+              <a:defRPr sz="1778"/>
             </a:lvl9pPr>
           </a:lstStyle>
           <a:p>
@@ -2142,7 +2149,7 @@
     </p:spTree>
     <p:extLst>
       <p:ext uri="{BB962C8B-B14F-4D97-AF65-F5344CB8AC3E}">
-        <p14:creationId xmlns:p14="http://schemas.microsoft.com/office/powerpoint/2010/main" val="2508143215"/>
+        <p14:creationId xmlns:p14="http://schemas.microsoft.com/office/powerpoint/2010/main" val="1544090279"/>
       </p:ext>
     </p:extLst>
   </p:cSld>
@@ -2181,15 +2188,15 @@
         </p:nvSpPr>
         <p:spPr>
           <a:xfrm>
-            <a:off x="472381" y="812800"/>
-            <a:ext cx="2211884" cy="2844800"/>
+            <a:off x="1492921" y="812800"/>
+            <a:ext cx="6990473" cy="2844800"/>
           </a:xfrm>
         </p:spPr>
         <p:txBody>
           <a:bodyPr anchor="b"/>
           <a:lstStyle>
             <a:lvl1pPr>
-              <a:defRPr sz="2400"/>
+              <a:defRPr sz="5689"/>
             </a:lvl1pPr>
           </a:lstStyle>
           <a:p>
@@ -2213,8 +2220,8 @@
         </p:nvSpPr>
         <p:spPr>
           <a:xfrm>
-            <a:off x="2915545" y="1755429"/>
-            <a:ext cx="3471863" cy="8664222"/>
+            <a:off x="9214332" y="1755423"/>
+            <a:ext cx="10972532" cy="8664222"/>
           </a:xfrm>
         </p:spPr>
         <p:txBody>
@@ -2222,39 +2229,39 @@
           <a:lstStyle>
             <a:lvl1pPr marL="0" indent="0">
               <a:buNone/>
-              <a:defRPr sz="2400"/>
+              <a:defRPr sz="5689"/>
             </a:lvl1pPr>
-            <a:lvl2pPr marL="342909" indent="0">
-              <a:buNone/>
-              <a:defRPr sz="2100"/>
+            <a:lvl2pPr marL="812764" indent="0">
+              <a:buNone/>
+              <a:defRPr sz="4978"/>
             </a:lvl2pPr>
-            <a:lvl3pPr marL="685817" indent="0">
-              <a:buNone/>
-              <a:defRPr sz="1801"/>
+            <a:lvl3pPr marL="1625529" indent="0">
+              <a:buNone/>
+              <a:defRPr sz="4266"/>
             </a:lvl3pPr>
-            <a:lvl4pPr marL="1028726" indent="0">
-              <a:buNone/>
-              <a:defRPr sz="1500"/>
+            <a:lvl4pPr marL="2438293" indent="0">
+              <a:buNone/>
+              <a:defRPr sz="3555"/>
             </a:lvl4pPr>
-            <a:lvl5pPr marL="1371635" indent="0">
-              <a:buNone/>
-              <a:defRPr sz="1500"/>
+            <a:lvl5pPr marL="3251058" indent="0">
+              <a:buNone/>
+              <a:defRPr sz="3555"/>
             </a:lvl5pPr>
-            <a:lvl6pPr marL="1714542" indent="0">
-              <a:buNone/>
-              <a:defRPr sz="1500"/>
+            <a:lvl6pPr marL="4063822" indent="0">
+              <a:buNone/>
+              <a:defRPr sz="3555"/>
             </a:lvl6pPr>
-            <a:lvl7pPr marL="2057451" indent="0">
-              <a:buNone/>
-              <a:defRPr sz="1500"/>
+            <a:lvl7pPr marL="4876587" indent="0">
+              <a:buNone/>
+              <a:defRPr sz="3555"/>
             </a:lvl7pPr>
-            <a:lvl8pPr marL="2400361" indent="0">
-              <a:buNone/>
-              <a:defRPr sz="1500"/>
+            <a:lvl8pPr marL="5689351" indent="0">
+              <a:buNone/>
+              <a:defRPr sz="3555"/>
             </a:lvl8pPr>
-            <a:lvl9pPr marL="2743268" indent="0">
-              <a:buNone/>
-              <a:defRPr sz="1500"/>
+            <a:lvl9pPr marL="6502116" indent="0">
+              <a:buNone/>
+              <a:defRPr sz="3555"/>
             </a:lvl9pPr>
           </a:lstStyle>
           <a:p>
@@ -2278,8 +2285,8 @@
         </p:nvSpPr>
         <p:spPr>
           <a:xfrm>
-            <a:off x="472381" y="3657600"/>
-            <a:ext cx="2211884" cy="6776156"/>
+            <a:off x="1492921" y="3657600"/>
+            <a:ext cx="6990473" cy="6776156"/>
           </a:xfrm>
         </p:spPr>
         <p:txBody>
@@ -2287,39 +2294,39 @@
           <a:lstStyle>
             <a:lvl1pPr marL="0" indent="0">
               <a:buNone/>
-              <a:defRPr sz="1200"/>
+              <a:defRPr sz="2844"/>
             </a:lvl1pPr>
-            <a:lvl2pPr marL="342909" indent="0">
-              <a:buNone/>
-              <a:defRPr sz="1051"/>
+            <a:lvl2pPr marL="812764" indent="0">
+              <a:buNone/>
+              <a:defRPr sz="2489"/>
             </a:lvl2pPr>
-            <a:lvl3pPr marL="685817" indent="0">
-              <a:buNone/>
-              <a:defRPr sz="900"/>
+            <a:lvl3pPr marL="1625529" indent="0">
+              <a:buNone/>
+              <a:defRPr sz="2133"/>
             </a:lvl3pPr>
-            <a:lvl4pPr marL="1028726" indent="0">
-              <a:buNone/>
-              <a:defRPr sz="750"/>
+            <a:lvl4pPr marL="2438293" indent="0">
+              <a:buNone/>
+              <a:defRPr sz="1778"/>
             </a:lvl4pPr>
-            <a:lvl5pPr marL="1371635" indent="0">
-              <a:buNone/>
-              <a:defRPr sz="750"/>
+            <a:lvl5pPr marL="3251058" indent="0">
+              <a:buNone/>
+              <a:defRPr sz="1778"/>
             </a:lvl5pPr>
-            <a:lvl6pPr marL="1714542" indent="0">
-              <a:buNone/>
-              <a:defRPr sz="750"/>
+            <a:lvl6pPr marL="4063822" indent="0">
+              <a:buNone/>
+              <a:defRPr sz="1778"/>
             </a:lvl6pPr>
-            <a:lvl7pPr marL="2057451" indent="0">
-              <a:buNone/>
-              <a:defRPr sz="750"/>
+            <a:lvl7pPr marL="4876587" indent="0">
+              <a:buNone/>
+              <a:defRPr sz="1778"/>
             </a:lvl7pPr>
-            <a:lvl8pPr marL="2400361" indent="0">
-              <a:buNone/>
-              <a:defRPr sz="750"/>
+            <a:lvl8pPr marL="5689351" indent="0">
+              <a:buNone/>
+              <a:defRPr sz="1778"/>
             </a:lvl8pPr>
-            <a:lvl9pPr marL="2743268" indent="0">
-              <a:buNone/>
-              <a:defRPr sz="750"/>
+            <a:lvl9pPr marL="6502116" indent="0">
+              <a:buNone/>
+              <a:defRPr sz="1778"/>
             </a:lvl9pPr>
           </a:lstStyle>
           <a:p>
@@ -2399,7 +2406,7 @@
     </p:spTree>
     <p:extLst>
       <p:ext uri="{BB962C8B-B14F-4D97-AF65-F5344CB8AC3E}">
-        <p14:creationId xmlns:p14="http://schemas.microsoft.com/office/powerpoint/2010/main" val="3376194465"/>
+        <p14:creationId xmlns:p14="http://schemas.microsoft.com/office/powerpoint/2010/main" val="1522292098"/>
       </p:ext>
     </p:extLst>
   </p:cSld>
@@ -2443,8 +2450,8 @@
         </p:nvSpPr>
         <p:spPr>
           <a:xfrm>
-            <a:off x="471490" y="649118"/>
-            <a:ext cx="5915025" cy="2356556"/>
+            <a:off x="1490097" y="649112"/>
+            <a:ext cx="18693944" cy="2356556"/>
           </a:xfrm>
           <a:prstGeom prst="rect">
             <a:avLst/>
@@ -2476,8 +2483,8 @@
         </p:nvSpPr>
         <p:spPr>
           <a:xfrm>
-            <a:off x="471490" y="3245556"/>
-            <a:ext cx="5915025" cy="7735712"/>
+            <a:off x="1490097" y="3245556"/>
+            <a:ext cx="18693944" cy="7735712"/>
           </a:xfrm>
           <a:prstGeom prst="rect">
             <a:avLst/>
@@ -2538,8 +2545,8 @@
         </p:nvSpPr>
         <p:spPr>
           <a:xfrm>
-            <a:off x="471488" y="11300184"/>
-            <a:ext cx="1543050" cy="649111"/>
+            <a:off x="1490097" y="11300179"/>
+            <a:ext cx="4876681" cy="649111"/>
           </a:xfrm>
           <a:prstGeom prst="rect">
             <a:avLst/>
@@ -2549,7 +2556,7 @@
           <a:bodyPr vert="horz" lIns="91440" tIns="45720" rIns="91440" bIns="45720" rtlCol="0" anchor="ctr"/>
           <a:lstStyle>
             <a:lvl1pPr algn="l">
-              <a:defRPr sz="900">
+              <a:defRPr sz="2133">
                 <a:solidFill>
                   <a:schemeClr val="tx1">
                     <a:tint val="75000"/>
@@ -2579,8 +2586,8 @@
         </p:nvSpPr>
         <p:spPr>
           <a:xfrm>
-            <a:off x="2271715" y="11300184"/>
-            <a:ext cx="2314575" cy="649111"/>
+            <a:off x="7179558" y="11300179"/>
+            <a:ext cx="7315022" cy="649111"/>
           </a:xfrm>
           <a:prstGeom prst="rect">
             <a:avLst/>
@@ -2590,7 +2597,7 @@
           <a:bodyPr vert="horz" lIns="91440" tIns="45720" rIns="91440" bIns="45720" rtlCol="0" anchor="ctr"/>
           <a:lstStyle>
             <a:lvl1pPr algn="ctr">
-              <a:defRPr sz="900">
+              <a:defRPr sz="2133">
                 <a:solidFill>
                   <a:schemeClr val="tx1">
                     <a:tint val="75000"/>
@@ -2616,8 +2623,8 @@
         </p:nvSpPr>
         <p:spPr>
           <a:xfrm>
-            <a:off x="4843463" y="11300184"/>
-            <a:ext cx="1543050" cy="649111"/>
+            <a:off x="15307360" y="11300179"/>
+            <a:ext cx="4876681" cy="649111"/>
           </a:xfrm>
           <a:prstGeom prst="rect">
             <a:avLst/>
@@ -2627,7 +2634,7 @@
           <a:bodyPr vert="horz" lIns="91440" tIns="45720" rIns="91440" bIns="45720" rtlCol="0" anchor="ctr"/>
           <a:lstStyle>
             <a:lvl1pPr algn="r">
-              <a:defRPr sz="900">
+              <a:defRPr sz="2133">
                 <a:solidFill>
                   <a:schemeClr val="tx1">
                     <a:tint val="75000"/>
@@ -2648,27 +2655,27 @@
     </p:spTree>
     <p:extLst>
       <p:ext uri="{BB962C8B-B14F-4D97-AF65-F5344CB8AC3E}">
-        <p14:creationId xmlns:p14="http://schemas.microsoft.com/office/powerpoint/2010/main" val="2223755644"/>
+        <p14:creationId xmlns:p14="http://schemas.microsoft.com/office/powerpoint/2010/main" val="2073189442"/>
       </p:ext>
     </p:extLst>
   </p:cSld>
   <p:clrMap bg1="lt1" tx1="dk1" bg2="lt2" tx2="dk2" accent1="accent1" accent2="accent2" accent3="accent3" accent4="accent4" accent5="accent5" accent6="accent6" hlink="hlink" folHlink="folHlink"/>
   <p:sldLayoutIdLst>
-    <p:sldLayoutId id="2147483661" r:id="rId1"/>
-    <p:sldLayoutId id="2147483662" r:id="rId2"/>
-    <p:sldLayoutId id="2147483663" r:id="rId3"/>
-    <p:sldLayoutId id="2147483664" r:id="rId4"/>
-    <p:sldLayoutId id="2147483665" r:id="rId5"/>
-    <p:sldLayoutId id="2147483666" r:id="rId6"/>
-    <p:sldLayoutId id="2147483667" r:id="rId7"/>
-    <p:sldLayoutId id="2147483668" r:id="rId8"/>
-    <p:sldLayoutId id="2147483669" r:id="rId9"/>
-    <p:sldLayoutId id="2147483670" r:id="rId10"/>
-    <p:sldLayoutId id="2147483671" r:id="rId11"/>
+    <p:sldLayoutId id="2147483673" r:id="rId1"/>
+    <p:sldLayoutId id="2147483674" r:id="rId2"/>
+    <p:sldLayoutId id="2147483675" r:id="rId3"/>
+    <p:sldLayoutId id="2147483676" r:id="rId4"/>
+    <p:sldLayoutId id="2147483677" r:id="rId5"/>
+    <p:sldLayoutId id="2147483678" r:id="rId6"/>
+    <p:sldLayoutId id="2147483679" r:id="rId7"/>
+    <p:sldLayoutId id="2147483680" r:id="rId8"/>
+    <p:sldLayoutId id="2147483681" r:id="rId9"/>
+    <p:sldLayoutId id="2147483682" r:id="rId10"/>
+    <p:sldLayoutId id="2147483683" r:id="rId11"/>
   </p:sldLayoutIdLst>
   <p:txStyles>
     <p:titleStyle>
-      <a:lvl1pPr algn="l" defTabSz="685817" rtl="0" eaLnBrk="1" latinLnBrk="0" hangingPunct="1">
+      <a:lvl1pPr algn="l" defTabSz="1625529" rtl="0" eaLnBrk="1" latinLnBrk="0" hangingPunct="1">
         <a:lnSpc>
           <a:spcPct val="90000"/>
         </a:lnSpc>
@@ -2676,7 +2683,7 @@
           <a:spcPct val="0"/>
         </a:spcBef>
         <a:buNone/>
-        <a:defRPr sz="3300" kern="1200">
+        <a:defRPr sz="7822" kern="1200">
           <a:solidFill>
             <a:schemeClr val="tx1"/>
           </a:solidFill>
@@ -2687,16 +2694,16 @@
       </a:lvl1pPr>
     </p:titleStyle>
     <p:bodyStyle>
-      <a:lvl1pPr marL="171455" indent="-171455" algn="l" defTabSz="685817" rtl="0" eaLnBrk="1" latinLnBrk="0" hangingPunct="1">
+      <a:lvl1pPr marL="406382" indent="-406382" algn="l" defTabSz="1625529" rtl="0" eaLnBrk="1" latinLnBrk="0" hangingPunct="1">
         <a:lnSpc>
           <a:spcPct val="90000"/>
         </a:lnSpc>
         <a:spcBef>
-          <a:spcPts val="750"/>
+          <a:spcPts val="1778"/>
         </a:spcBef>
         <a:buFont typeface="Arial" panose="020B0604020202020204" pitchFamily="34" charset="0"/>
         <a:buChar char="•"/>
-        <a:defRPr sz="2100" kern="1200">
+        <a:defRPr sz="4978" kern="1200">
           <a:solidFill>
             <a:schemeClr val="tx1"/>
           </a:solidFill>
@@ -2705,16 +2712,16 @@
           <a:cs typeface="+mn-cs"/>
         </a:defRPr>
       </a:lvl1pPr>
-      <a:lvl2pPr marL="514362" indent="-171455" algn="l" defTabSz="685817" rtl="0" eaLnBrk="1" latinLnBrk="0" hangingPunct="1">
+      <a:lvl2pPr marL="1219147" indent="-406382" algn="l" defTabSz="1625529" rtl="0" eaLnBrk="1" latinLnBrk="0" hangingPunct="1">
         <a:lnSpc>
           <a:spcPct val="90000"/>
         </a:lnSpc>
         <a:spcBef>
-          <a:spcPts val="375"/>
+          <a:spcPts val="889"/>
         </a:spcBef>
         <a:buFont typeface="Arial" panose="020B0604020202020204" pitchFamily="34" charset="0"/>
         <a:buChar char="•"/>
-        <a:defRPr sz="1801" kern="1200">
+        <a:defRPr sz="4266" kern="1200">
           <a:solidFill>
             <a:schemeClr val="tx1"/>
           </a:solidFill>
@@ -2723,16 +2730,16 @@
           <a:cs typeface="+mn-cs"/>
         </a:defRPr>
       </a:lvl2pPr>
-      <a:lvl3pPr marL="857271" indent="-171455" algn="l" defTabSz="685817" rtl="0" eaLnBrk="1" latinLnBrk="0" hangingPunct="1">
+      <a:lvl3pPr marL="2031911" indent="-406382" algn="l" defTabSz="1625529" rtl="0" eaLnBrk="1" latinLnBrk="0" hangingPunct="1">
         <a:lnSpc>
           <a:spcPct val="90000"/>
         </a:lnSpc>
         <a:spcBef>
-          <a:spcPts val="375"/>
+          <a:spcPts val="889"/>
         </a:spcBef>
         <a:buFont typeface="Arial" panose="020B0604020202020204" pitchFamily="34" charset="0"/>
         <a:buChar char="•"/>
-        <a:defRPr sz="1500" kern="1200">
+        <a:defRPr sz="3555" kern="1200">
           <a:solidFill>
             <a:schemeClr val="tx1"/>
           </a:solidFill>
@@ -2741,16 +2748,16 @@
           <a:cs typeface="+mn-cs"/>
         </a:defRPr>
       </a:lvl3pPr>
-      <a:lvl4pPr marL="1200180" indent="-171455" algn="l" defTabSz="685817" rtl="0" eaLnBrk="1" latinLnBrk="0" hangingPunct="1">
+      <a:lvl4pPr marL="2844676" indent="-406382" algn="l" defTabSz="1625529" rtl="0" eaLnBrk="1" latinLnBrk="0" hangingPunct="1">
         <a:lnSpc>
           <a:spcPct val="90000"/>
         </a:lnSpc>
         <a:spcBef>
-          <a:spcPts val="375"/>
+          <a:spcPts val="889"/>
         </a:spcBef>
         <a:buFont typeface="Arial" panose="020B0604020202020204" pitchFamily="34" charset="0"/>
         <a:buChar char="•"/>
-        <a:defRPr sz="1349" kern="1200">
+        <a:defRPr sz="3200" kern="1200">
           <a:solidFill>
             <a:schemeClr val="tx1"/>
           </a:solidFill>
@@ -2759,16 +2766,16 @@
           <a:cs typeface="+mn-cs"/>
         </a:defRPr>
       </a:lvl4pPr>
-      <a:lvl5pPr marL="1543088" indent="-171455" algn="l" defTabSz="685817" rtl="0" eaLnBrk="1" latinLnBrk="0" hangingPunct="1">
+      <a:lvl5pPr marL="3657440" indent="-406382" algn="l" defTabSz="1625529" rtl="0" eaLnBrk="1" latinLnBrk="0" hangingPunct="1">
         <a:lnSpc>
           <a:spcPct val="90000"/>
         </a:lnSpc>
         <a:spcBef>
-          <a:spcPts val="375"/>
+          <a:spcPts val="889"/>
         </a:spcBef>
         <a:buFont typeface="Arial" panose="020B0604020202020204" pitchFamily="34" charset="0"/>
         <a:buChar char="•"/>
-        <a:defRPr sz="1349" kern="1200">
+        <a:defRPr sz="3200" kern="1200">
           <a:solidFill>
             <a:schemeClr val="tx1"/>
           </a:solidFill>
@@ -2777,16 +2784,16 @@
           <a:cs typeface="+mn-cs"/>
         </a:defRPr>
       </a:lvl5pPr>
-      <a:lvl6pPr marL="1885997" indent="-171455" algn="l" defTabSz="685817" rtl="0" eaLnBrk="1" latinLnBrk="0" hangingPunct="1">
+      <a:lvl6pPr marL="4470204" indent="-406382" algn="l" defTabSz="1625529" rtl="0" eaLnBrk="1" latinLnBrk="0" hangingPunct="1">
         <a:lnSpc>
           <a:spcPct val="90000"/>
         </a:lnSpc>
         <a:spcBef>
-          <a:spcPts val="375"/>
+          <a:spcPts val="889"/>
         </a:spcBef>
         <a:buFont typeface="Arial" panose="020B0604020202020204" pitchFamily="34" charset="0"/>
         <a:buChar char="•"/>
-        <a:defRPr sz="1349" kern="1200">
+        <a:defRPr sz="3200" kern="1200">
           <a:solidFill>
             <a:schemeClr val="tx1"/>
           </a:solidFill>
@@ -2795,16 +2802,16 @@
           <a:cs typeface="+mn-cs"/>
         </a:defRPr>
       </a:lvl6pPr>
-      <a:lvl7pPr marL="2228906" indent="-171455" algn="l" defTabSz="685817" rtl="0" eaLnBrk="1" latinLnBrk="0" hangingPunct="1">
+      <a:lvl7pPr marL="5282969" indent="-406382" algn="l" defTabSz="1625529" rtl="0" eaLnBrk="1" latinLnBrk="0" hangingPunct="1">
         <a:lnSpc>
           <a:spcPct val="90000"/>
         </a:lnSpc>
         <a:spcBef>
-          <a:spcPts val="375"/>
+          <a:spcPts val="889"/>
         </a:spcBef>
         <a:buFont typeface="Arial" panose="020B0604020202020204" pitchFamily="34" charset="0"/>
         <a:buChar char="•"/>
-        <a:defRPr sz="1349" kern="1200">
+        <a:defRPr sz="3200" kern="1200">
           <a:solidFill>
             <a:schemeClr val="tx1"/>
           </a:solidFill>
@@ -2813,16 +2820,16 @@
           <a:cs typeface="+mn-cs"/>
         </a:defRPr>
       </a:lvl7pPr>
-      <a:lvl8pPr marL="2571813" indent="-171455" algn="l" defTabSz="685817" rtl="0" eaLnBrk="1" latinLnBrk="0" hangingPunct="1">
+      <a:lvl8pPr marL="6095733" indent="-406382" algn="l" defTabSz="1625529" rtl="0" eaLnBrk="1" latinLnBrk="0" hangingPunct="1">
         <a:lnSpc>
           <a:spcPct val="90000"/>
         </a:lnSpc>
         <a:spcBef>
-          <a:spcPts val="375"/>
+          <a:spcPts val="889"/>
         </a:spcBef>
         <a:buFont typeface="Arial" panose="020B0604020202020204" pitchFamily="34" charset="0"/>
         <a:buChar char="•"/>
-        <a:defRPr sz="1349" kern="1200">
+        <a:defRPr sz="3200" kern="1200">
           <a:solidFill>
             <a:schemeClr val="tx1"/>
           </a:solidFill>
@@ -2831,16 +2838,16 @@
           <a:cs typeface="+mn-cs"/>
         </a:defRPr>
       </a:lvl8pPr>
-      <a:lvl9pPr marL="2914723" indent="-171455" algn="l" defTabSz="685817" rtl="0" eaLnBrk="1" latinLnBrk="0" hangingPunct="1">
+      <a:lvl9pPr marL="6908498" indent="-406382" algn="l" defTabSz="1625529" rtl="0" eaLnBrk="1" latinLnBrk="0" hangingPunct="1">
         <a:lnSpc>
           <a:spcPct val="90000"/>
         </a:lnSpc>
         <a:spcBef>
-          <a:spcPts val="375"/>
+          <a:spcPts val="889"/>
         </a:spcBef>
         <a:buFont typeface="Arial" panose="020B0604020202020204" pitchFamily="34" charset="0"/>
         <a:buChar char="•"/>
-        <a:defRPr sz="1349" kern="1200">
+        <a:defRPr sz="3200" kern="1200">
           <a:solidFill>
             <a:schemeClr val="tx1"/>
           </a:solidFill>
@@ -2854,8 +2861,8 @@
       <a:defPPr>
         <a:defRPr lang="en-US"/>
       </a:defPPr>
-      <a:lvl1pPr marL="0" algn="l" defTabSz="685817" rtl="0" eaLnBrk="1" latinLnBrk="0" hangingPunct="1">
-        <a:defRPr sz="1349" kern="1200">
+      <a:lvl1pPr marL="0" algn="l" defTabSz="1625529" rtl="0" eaLnBrk="1" latinLnBrk="0" hangingPunct="1">
+        <a:defRPr sz="3200" kern="1200">
           <a:solidFill>
             <a:schemeClr val="tx1"/>
           </a:solidFill>
@@ -2864,8 +2871,8 @@
           <a:cs typeface="+mn-cs"/>
         </a:defRPr>
       </a:lvl1pPr>
-      <a:lvl2pPr marL="342909" algn="l" defTabSz="685817" rtl="0" eaLnBrk="1" latinLnBrk="0" hangingPunct="1">
-        <a:defRPr sz="1349" kern="1200">
+      <a:lvl2pPr marL="812764" algn="l" defTabSz="1625529" rtl="0" eaLnBrk="1" latinLnBrk="0" hangingPunct="1">
+        <a:defRPr sz="3200" kern="1200">
           <a:solidFill>
             <a:schemeClr val="tx1"/>
           </a:solidFill>
@@ -2874,8 +2881,8 @@
           <a:cs typeface="+mn-cs"/>
         </a:defRPr>
       </a:lvl2pPr>
-      <a:lvl3pPr marL="685817" algn="l" defTabSz="685817" rtl="0" eaLnBrk="1" latinLnBrk="0" hangingPunct="1">
-        <a:defRPr sz="1349" kern="1200">
+      <a:lvl3pPr marL="1625529" algn="l" defTabSz="1625529" rtl="0" eaLnBrk="1" latinLnBrk="0" hangingPunct="1">
+        <a:defRPr sz="3200" kern="1200">
           <a:solidFill>
             <a:schemeClr val="tx1"/>
           </a:solidFill>
@@ -2884,8 +2891,8 @@
           <a:cs typeface="+mn-cs"/>
         </a:defRPr>
       </a:lvl3pPr>
-      <a:lvl4pPr marL="1028726" algn="l" defTabSz="685817" rtl="0" eaLnBrk="1" latinLnBrk="0" hangingPunct="1">
-        <a:defRPr sz="1349" kern="1200">
+      <a:lvl4pPr marL="2438293" algn="l" defTabSz="1625529" rtl="0" eaLnBrk="1" latinLnBrk="0" hangingPunct="1">
+        <a:defRPr sz="3200" kern="1200">
           <a:solidFill>
             <a:schemeClr val="tx1"/>
           </a:solidFill>
@@ -2894,8 +2901,8 @@
           <a:cs typeface="+mn-cs"/>
         </a:defRPr>
       </a:lvl4pPr>
-      <a:lvl5pPr marL="1371635" algn="l" defTabSz="685817" rtl="0" eaLnBrk="1" latinLnBrk="0" hangingPunct="1">
-        <a:defRPr sz="1349" kern="1200">
+      <a:lvl5pPr marL="3251058" algn="l" defTabSz="1625529" rtl="0" eaLnBrk="1" latinLnBrk="0" hangingPunct="1">
+        <a:defRPr sz="3200" kern="1200">
           <a:solidFill>
             <a:schemeClr val="tx1"/>
           </a:solidFill>
@@ -2904,8 +2911,8 @@
           <a:cs typeface="+mn-cs"/>
         </a:defRPr>
       </a:lvl5pPr>
-      <a:lvl6pPr marL="1714542" algn="l" defTabSz="685817" rtl="0" eaLnBrk="1" latinLnBrk="0" hangingPunct="1">
-        <a:defRPr sz="1349" kern="1200">
+      <a:lvl6pPr marL="4063822" algn="l" defTabSz="1625529" rtl="0" eaLnBrk="1" latinLnBrk="0" hangingPunct="1">
+        <a:defRPr sz="3200" kern="1200">
           <a:solidFill>
             <a:schemeClr val="tx1"/>
           </a:solidFill>
@@ -2914,8 +2921,8 @@
           <a:cs typeface="+mn-cs"/>
         </a:defRPr>
       </a:lvl6pPr>
-      <a:lvl7pPr marL="2057451" algn="l" defTabSz="685817" rtl="0" eaLnBrk="1" latinLnBrk="0" hangingPunct="1">
-        <a:defRPr sz="1349" kern="1200">
+      <a:lvl7pPr marL="4876587" algn="l" defTabSz="1625529" rtl="0" eaLnBrk="1" latinLnBrk="0" hangingPunct="1">
+        <a:defRPr sz="3200" kern="1200">
           <a:solidFill>
             <a:schemeClr val="tx1"/>
           </a:solidFill>
@@ -2924,8 +2931,8 @@
           <a:cs typeface="+mn-cs"/>
         </a:defRPr>
       </a:lvl7pPr>
-      <a:lvl8pPr marL="2400361" algn="l" defTabSz="685817" rtl="0" eaLnBrk="1" latinLnBrk="0" hangingPunct="1">
-        <a:defRPr sz="1349" kern="1200">
+      <a:lvl8pPr marL="5689351" algn="l" defTabSz="1625529" rtl="0" eaLnBrk="1" latinLnBrk="0" hangingPunct="1">
+        <a:defRPr sz="3200" kern="1200">
           <a:solidFill>
             <a:schemeClr val="tx1"/>
           </a:solidFill>
@@ -2934,8 +2941,8 @@
           <a:cs typeface="+mn-cs"/>
         </a:defRPr>
       </a:lvl8pPr>
-      <a:lvl9pPr marL="2743268" algn="l" defTabSz="685817" rtl="0" eaLnBrk="1" latinLnBrk="0" hangingPunct="1">
-        <a:defRPr sz="1349" kern="1200">
+      <a:lvl9pPr marL="6502116" algn="l" defTabSz="1625529" rtl="0" eaLnBrk="1" latinLnBrk="0" hangingPunct="1">
+        <a:defRPr sz="3200" kern="1200">
           <a:solidFill>
             <a:schemeClr val="tx1"/>
           </a:solidFill>
@@ -2966,875 +2973,12 @@
           <a:chExt cx="0" cy="0"/>
         </a:xfrm>
       </p:grpSpPr>
-      <p:pic>
-        <p:nvPicPr>
-          <p:cNvPr id="5" name="Immagine 4">
+      <p:sp>
+        <p:nvSpPr>
+          <p:cNvPr id="2" name="Rettangolo 1">
             <a:extLst>
               <a:ext uri="{FF2B5EF4-FFF2-40B4-BE49-F238E27FC236}">
-                <a16:creationId xmlns:a16="http://schemas.microsoft.com/office/drawing/2014/main" id="{53306455-9F92-44D9-B69C-8E4354C457E9}"/>
-              </a:ext>
-            </a:extLst>
-          </p:cNvPr>
-          <p:cNvPicPr>
-            <a:picLocks noChangeAspect="1"/>
-          </p:cNvPicPr>
-          <p:nvPr/>
-        </p:nvPicPr>
-        <p:blipFill rotWithShape="1">
-          <a:blip r:embed="rId2">
-            <a:extLst>
-              <a:ext uri="{28A0092B-C50C-407E-A947-70E740481C1C}">
-                <a14:useLocalDpi xmlns:a14="http://schemas.microsoft.com/office/drawing/2010/main" val="0"/>
-              </a:ext>
-            </a:extLst>
-          </a:blip>
-          <a:srcRect/>
-          <a:stretch/>
-        </p:blipFill>
-        <p:spPr>
-          <a:xfrm rot="10800000">
-            <a:off x="182864" y="4335095"/>
-            <a:ext cx="803956" cy="787996"/>
-          </a:xfrm>
-          <a:prstGeom prst="rect">
-            <a:avLst/>
-          </a:prstGeom>
-        </p:spPr>
-      </p:pic>
-      <p:pic>
-        <p:nvPicPr>
-          <p:cNvPr id="7" name="Immagine 6">
-            <a:extLst>
-              <a:ext uri="{FF2B5EF4-FFF2-40B4-BE49-F238E27FC236}">
-                <a16:creationId xmlns:a16="http://schemas.microsoft.com/office/drawing/2014/main" id="{6EA13E93-E7F0-4233-988F-6F7FDC469CEC}"/>
-              </a:ext>
-            </a:extLst>
-          </p:cNvPr>
-          <p:cNvPicPr>
-            <a:picLocks noChangeAspect="1"/>
-          </p:cNvPicPr>
-          <p:nvPr/>
-        </p:nvPicPr>
-        <p:blipFill>
-          <a:blip r:embed="rId3">
-            <a:extLst>
-              <a:ext uri="{28A0092B-C50C-407E-A947-70E740481C1C}">
-                <a14:useLocalDpi xmlns:a14="http://schemas.microsoft.com/office/drawing/2010/main" val="0"/>
-              </a:ext>
-            </a:extLst>
-          </a:blip>
-          <a:stretch>
-            <a:fillRect/>
-          </a:stretch>
-        </p:blipFill>
-        <p:spPr>
-          <a:xfrm>
-            <a:off x="978892" y="4341805"/>
-            <a:ext cx="792834" cy="780668"/>
-          </a:xfrm>
-          <a:prstGeom prst="rect">
-            <a:avLst/>
-          </a:prstGeom>
-        </p:spPr>
-      </p:pic>
-      <p:pic>
-        <p:nvPicPr>
-          <p:cNvPr id="9" name="Immagine 8">
-            <a:extLst>
-              <a:ext uri="{FF2B5EF4-FFF2-40B4-BE49-F238E27FC236}">
-                <a16:creationId xmlns:a16="http://schemas.microsoft.com/office/drawing/2014/main" id="{D4B6F019-DE3A-447A-9219-6C10CD764EF7}"/>
-              </a:ext>
-            </a:extLst>
-          </p:cNvPr>
-          <p:cNvPicPr>
-            <a:picLocks noChangeAspect="1"/>
-          </p:cNvPicPr>
-          <p:nvPr/>
-        </p:nvPicPr>
-        <p:blipFill>
-          <a:blip r:embed="rId4">
-            <a:extLst>
-              <a:ext uri="{28A0092B-C50C-407E-A947-70E740481C1C}">
-                <a14:useLocalDpi xmlns:a14="http://schemas.microsoft.com/office/drawing/2010/main" val="0"/>
-              </a:ext>
-            </a:extLst>
-          </a:blip>
-          <a:stretch>
-            <a:fillRect/>
-          </a:stretch>
-        </p:blipFill>
-        <p:spPr>
-          <a:xfrm rot="10800000">
-            <a:off x="1771725" y="4335097"/>
-            <a:ext cx="803954" cy="790059"/>
-          </a:xfrm>
-          <a:prstGeom prst="rect">
-            <a:avLst/>
-          </a:prstGeom>
-        </p:spPr>
-      </p:pic>
-      <p:pic>
-        <p:nvPicPr>
-          <p:cNvPr id="13" name="Immagine 12">
-            <a:extLst>
-              <a:ext uri="{FF2B5EF4-FFF2-40B4-BE49-F238E27FC236}">
-                <a16:creationId xmlns:a16="http://schemas.microsoft.com/office/drawing/2014/main" id="{A0CA3E0D-37D4-4F89-835A-9C0408CA6884}"/>
-              </a:ext>
-            </a:extLst>
-          </p:cNvPr>
-          <p:cNvPicPr>
-            <a:picLocks noChangeAspect="1"/>
-          </p:cNvPicPr>
-          <p:nvPr/>
-        </p:nvPicPr>
-        <p:blipFill>
-          <a:blip r:embed="rId5">
-            <a:extLst>
-              <a:ext uri="{28A0092B-C50C-407E-A947-70E740481C1C}">
-                <a14:useLocalDpi xmlns:a14="http://schemas.microsoft.com/office/drawing/2010/main" val="0"/>
-              </a:ext>
-            </a:extLst>
-          </a:blip>
-          <a:stretch>
-            <a:fillRect/>
-          </a:stretch>
-        </p:blipFill>
-        <p:spPr>
-          <a:xfrm rot="10800000">
-            <a:off x="3403245" y="4359418"/>
-            <a:ext cx="774148" cy="790149"/>
-          </a:xfrm>
-          <a:prstGeom prst="rect">
-            <a:avLst/>
-          </a:prstGeom>
-        </p:spPr>
-      </p:pic>
-      <p:pic>
-        <p:nvPicPr>
-          <p:cNvPr id="15" name="Immagine 14">
-            <a:extLst>
-              <a:ext uri="{FF2B5EF4-FFF2-40B4-BE49-F238E27FC236}">
-                <a16:creationId xmlns:a16="http://schemas.microsoft.com/office/drawing/2014/main" id="{84103EA8-4ABA-4CB7-81C3-DD3F0CE8A763}"/>
-              </a:ext>
-            </a:extLst>
-          </p:cNvPr>
-          <p:cNvPicPr>
-            <a:picLocks noChangeAspect="1"/>
-          </p:cNvPicPr>
-          <p:nvPr/>
-        </p:nvPicPr>
-        <p:blipFill>
-          <a:blip r:embed="rId6">
-            <a:extLst>
-              <a:ext uri="{28A0092B-C50C-407E-A947-70E740481C1C}">
-                <a14:useLocalDpi xmlns:a14="http://schemas.microsoft.com/office/drawing/2010/main" val="0"/>
-              </a:ext>
-            </a:extLst>
-          </a:blip>
-          <a:stretch>
-            <a:fillRect/>
-          </a:stretch>
-        </p:blipFill>
-        <p:spPr>
-          <a:xfrm rot="10800000">
-            <a:off x="4981750" y="4346961"/>
-            <a:ext cx="810937" cy="815063"/>
-          </a:xfrm>
-          <a:prstGeom prst="rect">
-            <a:avLst/>
-          </a:prstGeom>
-        </p:spPr>
-      </p:pic>
-      <p:pic>
-        <p:nvPicPr>
-          <p:cNvPr id="16" name="Immagine 15">
-            <a:extLst>
-              <a:ext uri="{FF2B5EF4-FFF2-40B4-BE49-F238E27FC236}">
-                <a16:creationId xmlns:a16="http://schemas.microsoft.com/office/drawing/2014/main" id="{D34717AF-FA4B-4E68-86BC-2431C34DD8CC}"/>
-              </a:ext>
-            </a:extLst>
-          </p:cNvPr>
-          <p:cNvPicPr>
-            <a:picLocks noChangeAspect="1"/>
-          </p:cNvPicPr>
-          <p:nvPr/>
-        </p:nvPicPr>
-        <p:blipFill>
-          <a:blip r:embed="rId3">
-            <a:extLst>
-              <a:ext uri="{28A0092B-C50C-407E-A947-70E740481C1C}">
-                <a14:useLocalDpi xmlns:a14="http://schemas.microsoft.com/office/drawing/2010/main" val="0"/>
-              </a:ext>
-            </a:extLst>
-          </a:blip>
-          <a:stretch>
-            <a:fillRect/>
-          </a:stretch>
-        </p:blipFill>
-        <p:spPr>
-          <a:xfrm>
-            <a:off x="2587238" y="4335098"/>
-            <a:ext cx="802464" cy="790149"/>
-          </a:xfrm>
-          <a:prstGeom prst="rect">
-            <a:avLst/>
-          </a:prstGeom>
-        </p:spPr>
-      </p:pic>
-      <p:pic>
-        <p:nvPicPr>
-          <p:cNvPr id="17" name="Immagine 16">
-            <a:extLst>
-              <a:ext uri="{FF2B5EF4-FFF2-40B4-BE49-F238E27FC236}">
-                <a16:creationId xmlns:a16="http://schemas.microsoft.com/office/drawing/2014/main" id="{095F02ED-4EE9-4515-A71A-38D548C9594D}"/>
-              </a:ext>
-            </a:extLst>
-          </p:cNvPr>
-          <p:cNvPicPr>
-            <a:picLocks noChangeAspect="1"/>
-          </p:cNvPicPr>
-          <p:nvPr/>
-        </p:nvPicPr>
-        <p:blipFill>
-          <a:blip r:embed="rId3">
-            <a:extLst>
-              <a:ext uri="{28A0092B-C50C-407E-A947-70E740481C1C}">
-                <a14:useLocalDpi xmlns:a14="http://schemas.microsoft.com/office/drawing/2010/main" val="0"/>
-              </a:ext>
-            </a:extLst>
-          </a:blip>
-          <a:stretch>
-            <a:fillRect/>
-          </a:stretch>
-        </p:blipFill>
-        <p:spPr>
-          <a:xfrm>
-            <a:off x="4170813" y="4335099"/>
-            <a:ext cx="810937" cy="798492"/>
-          </a:xfrm>
-          <a:prstGeom prst="rect">
-            <a:avLst/>
-          </a:prstGeom>
-        </p:spPr>
-      </p:pic>
-      <p:pic>
-        <p:nvPicPr>
-          <p:cNvPr id="19" name="Immagine 18">
-            <a:extLst>
-              <a:ext uri="{FF2B5EF4-FFF2-40B4-BE49-F238E27FC236}">
-                <a16:creationId xmlns:a16="http://schemas.microsoft.com/office/drawing/2014/main" id="{206FABEB-117C-403C-8647-93C044756E18}"/>
-              </a:ext>
-            </a:extLst>
-          </p:cNvPr>
-          <p:cNvPicPr>
-            <a:picLocks noChangeAspect="1"/>
-          </p:cNvPicPr>
-          <p:nvPr/>
-        </p:nvPicPr>
-        <p:blipFill>
-          <a:blip r:embed="rId7">
-            <a:extLst>
-              <a:ext uri="{28A0092B-C50C-407E-A947-70E740481C1C}">
-                <a14:useLocalDpi xmlns:a14="http://schemas.microsoft.com/office/drawing/2010/main" val="0"/>
-              </a:ext>
-            </a:extLst>
-          </a:blip>
-          <a:stretch>
-            <a:fillRect/>
-          </a:stretch>
-        </p:blipFill>
-        <p:spPr>
-          <a:xfrm>
-            <a:off x="175336" y="5125156"/>
-            <a:ext cx="810194" cy="820770"/>
-          </a:xfrm>
-          <a:prstGeom prst="rect">
-            <a:avLst/>
-          </a:prstGeom>
-        </p:spPr>
-      </p:pic>
-      <p:pic>
-        <p:nvPicPr>
-          <p:cNvPr id="21" name="Immagine 20">
-            <a:extLst>
-              <a:ext uri="{FF2B5EF4-FFF2-40B4-BE49-F238E27FC236}">
-                <a16:creationId xmlns:a16="http://schemas.microsoft.com/office/drawing/2014/main" id="{7607CB14-D5D5-4AA2-8717-6D8AA2DB37A9}"/>
-              </a:ext>
-            </a:extLst>
-          </p:cNvPr>
-          <p:cNvPicPr>
-            <a:picLocks noChangeAspect="1"/>
-          </p:cNvPicPr>
-          <p:nvPr/>
-        </p:nvPicPr>
-        <p:blipFill>
-          <a:blip r:embed="rId8">
-            <a:extLst>
-              <a:ext uri="{28A0092B-C50C-407E-A947-70E740481C1C}">
-                <a14:useLocalDpi xmlns:a14="http://schemas.microsoft.com/office/drawing/2010/main" val="0"/>
-              </a:ext>
-            </a:extLst>
-          </a:blip>
-          <a:stretch>
-            <a:fillRect/>
-          </a:stretch>
-        </p:blipFill>
-        <p:spPr>
-          <a:xfrm rot="10800000">
-            <a:off x="163885" y="5945925"/>
-            <a:ext cx="821644" cy="821644"/>
-          </a:xfrm>
-          <a:prstGeom prst="rect">
-            <a:avLst/>
-          </a:prstGeom>
-        </p:spPr>
-      </p:pic>
-      <p:pic>
-        <p:nvPicPr>
-          <p:cNvPr id="22" name="Immagine 21">
-            <a:extLst>
-              <a:ext uri="{FF2B5EF4-FFF2-40B4-BE49-F238E27FC236}">
-                <a16:creationId xmlns:a16="http://schemas.microsoft.com/office/drawing/2014/main" id="{A170609E-DCA4-4AB5-A279-4BEBFD9C3A11}"/>
-              </a:ext>
-            </a:extLst>
-          </p:cNvPr>
-          <p:cNvPicPr>
-            <a:picLocks noChangeAspect="1"/>
-          </p:cNvPicPr>
-          <p:nvPr/>
-        </p:nvPicPr>
-        <p:blipFill>
-          <a:blip r:embed="rId7">
-            <a:extLst>
-              <a:ext uri="{28A0092B-C50C-407E-A947-70E740481C1C}">
-                <a14:useLocalDpi xmlns:a14="http://schemas.microsoft.com/office/drawing/2010/main" val="0"/>
-              </a:ext>
-            </a:extLst>
-          </a:blip>
-          <a:stretch>
-            <a:fillRect/>
-          </a:stretch>
-        </p:blipFill>
-        <p:spPr>
-          <a:xfrm>
-            <a:off x="158064" y="6766692"/>
-            <a:ext cx="810192" cy="820770"/>
-          </a:xfrm>
-          <a:prstGeom prst="rect">
-            <a:avLst/>
-          </a:prstGeom>
-        </p:spPr>
-      </p:pic>
-      <p:pic>
-        <p:nvPicPr>
-          <p:cNvPr id="24" name="Immagine 23">
-            <a:extLst>
-              <a:ext uri="{FF2B5EF4-FFF2-40B4-BE49-F238E27FC236}">
-                <a16:creationId xmlns:a16="http://schemas.microsoft.com/office/drawing/2014/main" id="{BCA5A8B8-6BFA-4A3D-98D9-B4D1A9B7DF3F}"/>
-              </a:ext>
-            </a:extLst>
-          </p:cNvPr>
-          <p:cNvPicPr>
-            <a:picLocks noChangeAspect="1"/>
-          </p:cNvPicPr>
-          <p:nvPr/>
-        </p:nvPicPr>
-        <p:blipFill>
-          <a:blip r:embed="rId9">
-            <a:extLst>
-              <a:ext uri="{28A0092B-C50C-407E-A947-70E740481C1C}">
-                <a14:useLocalDpi xmlns:a14="http://schemas.microsoft.com/office/drawing/2010/main" val="0"/>
-              </a:ext>
-            </a:extLst>
-          </a:blip>
-          <a:stretch>
-            <a:fillRect/>
-          </a:stretch>
-        </p:blipFill>
-        <p:spPr>
-          <a:xfrm>
-            <a:off x="158066" y="7587461"/>
-            <a:ext cx="810192" cy="784057"/>
-          </a:xfrm>
-          <a:prstGeom prst="rect">
-            <a:avLst/>
-          </a:prstGeom>
-        </p:spPr>
-      </p:pic>
-      <p:pic>
-        <p:nvPicPr>
-          <p:cNvPr id="25" name="Immagine 24">
-            <a:extLst>
-              <a:ext uri="{FF2B5EF4-FFF2-40B4-BE49-F238E27FC236}">
-                <a16:creationId xmlns:a16="http://schemas.microsoft.com/office/drawing/2014/main" id="{665DFEF9-E378-4CBD-87A0-C0F29F4D99FF}"/>
-              </a:ext>
-            </a:extLst>
-          </p:cNvPr>
-          <p:cNvPicPr>
-            <a:picLocks noChangeAspect="1"/>
-          </p:cNvPicPr>
-          <p:nvPr/>
-        </p:nvPicPr>
-        <p:blipFill>
-          <a:blip r:embed="rId7">
-            <a:extLst>
-              <a:ext uri="{28A0092B-C50C-407E-A947-70E740481C1C}">
-                <a14:useLocalDpi xmlns:a14="http://schemas.microsoft.com/office/drawing/2010/main" val="0"/>
-              </a:ext>
-            </a:extLst>
-          </a:blip>
-          <a:stretch>
-            <a:fillRect/>
-          </a:stretch>
-        </p:blipFill>
-        <p:spPr>
-          <a:xfrm>
-            <a:off x="157948" y="8372318"/>
-            <a:ext cx="802464" cy="812940"/>
-          </a:xfrm>
-          <a:prstGeom prst="rect">
-            <a:avLst/>
-          </a:prstGeom>
-        </p:spPr>
-      </p:pic>
-      <p:pic>
-        <p:nvPicPr>
-          <p:cNvPr id="27" name="Immagine 26">
-            <a:extLst>
-              <a:ext uri="{FF2B5EF4-FFF2-40B4-BE49-F238E27FC236}">
-                <a16:creationId xmlns:a16="http://schemas.microsoft.com/office/drawing/2014/main" id="{E865F11A-4D31-4055-B642-C20B0C6215E1}"/>
-              </a:ext>
-            </a:extLst>
-          </p:cNvPr>
-          <p:cNvPicPr>
-            <a:picLocks noChangeAspect="1"/>
-          </p:cNvPicPr>
-          <p:nvPr/>
-        </p:nvPicPr>
-        <p:blipFill>
-          <a:blip r:embed="rId10">
-            <a:extLst>
-              <a:ext uri="{28A0092B-C50C-407E-A947-70E740481C1C}">
-                <a14:useLocalDpi xmlns:a14="http://schemas.microsoft.com/office/drawing/2010/main" val="0"/>
-              </a:ext>
-            </a:extLst>
-          </a:blip>
-          <a:stretch>
-            <a:fillRect/>
-          </a:stretch>
-        </p:blipFill>
-        <p:spPr>
-          <a:xfrm>
-            <a:off x="157948" y="9192210"/>
-            <a:ext cx="802464" cy="802464"/>
-          </a:xfrm>
-          <a:prstGeom prst="rect">
-            <a:avLst/>
-          </a:prstGeom>
-        </p:spPr>
-      </p:pic>
-      <p:pic>
-        <p:nvPicPr>
-          <p:cNvPr id="29" name="Immagine 28">
-            <a:extLst>
-              <a:ext uri="{FF2B5EF4-FFF2-40B4-BE49-F238E27FC236}">
-                <a16:creationId xmlns:a16="http://schemas.microsoft.com/office/drawing/2014/main" id="{0FB8FFC5-9F1C-48C1-8C21-6C8EB120A27C}"/>
-              </a:ext>
-            </a:extLst>
-          </p:cNvPr>
-          <p:cNvPicPr>
-            <a:picLocks noChangeAspect="1"/>
-          </p:cNvPicPr>
-          <p:nvPr/>
-        </p:nvPicPr>
-        <p:blipFill>
-          <a:blip r:embed="rId3">
-            <a:extLst>
-              <a:ext uri="{28A0092B-C50C-407E-A947-70E740481C1C}">
-                <a14:useLocalDpi xmlns:a14="http://schemas.microsoft.com/office/drawing/2010/main" val="0"/>
-              </a:ext>
-            </a:extLst>
-          </a:blip>
-          <a:stretch>
-            <a:fillRect/>
-          </a:stretch>
-        </p:blipFill>
-        <p:spPr>
-          <a:xfrm>
-            <a:off x="969261" y="9195137"/>
-            <a:ext cx="802464" cy="790149"/>
-          </a:xfrm>
-          <a:prstGeom prst="rect">
-            <a:avLst/>
-          </a:prstGeom>
-        </p:spPr>
-      </p:pic>
-      <p:pic>
-        <p:nvPicPr>
-          <p:cNvPr id="31" name="Immagine 30">
-            <a:extLst>
-              <a:ext uri="{FF2B5EF4-FFF2-40B4-BE49-F238E27FC236}">
-                <a16:creationId xmlns:a16="http://schemas.microsoft.com/office/drawing/2014/main" id="{397A9161-7C7C-4F83-BDFD-F296AB3655CD}"/>
-              </a:ext>
-            </a:extLst>
-          </p:cNvPr>
-          <p:cNvPicPr>
-            <a:picLocks noChangeAspect="1"/>
-          </p:cNvPicPr>
-          <p:nvPr/>
-        </p:nvPicPr>
-        <p:blipFill>
-          <a:blip r:embed="rId11">
-            <a:extLst>
-              <a:ext uri="{28A0092B-C50C-407E-A947-70E740481C1C}">
-                <a14:useLocalDpi xmlns:a14="http://schemas.microsoft.com/office/drawing/2010/main" val="0"/>
-              </a:ext>
-            </a:extLst>
-          </a:blip>
-          <a:stretch>
-            <a:fillRect/>
-          </a:stretch>
-        </p:blipFill>
-        <p:spPr>
-          <a:xfrm>
-            <a:off x="1771725" y="9187189"/>
-            <a:ext cx="797266" cy="807486"/>
-          </a:xfrm>
-          <a:prstGeom prst="rect">
-            <a:avLst/>
-          </a:prstGeom>
-        </p:spPr>
-      </p:pic>
-      <p:pic>
-        <p:nvPicPr>
-          <p:cNvPr id="32" name="Immagine 31">
-            <a:extLst>
-              <a:ext uri="{FF2B5EF4-FFF2-40B4-BE49-F238E27FC236}">
-                <a16:creationId xmlns:a16="http://schemas.microsoft.com/office/drawing/2014/main" id="{D75015E2-333F-4CB3-951A-F36C3B3F7DEC}"/>
-              </a:ext>
-            </a:extLst>
-          </p:cNvPr>
-          <p:cNvPicPr>
-            <a:picLocks noChangeAspect="1"/>
-          </p:cNvPicPr>
-          <p:nvPr/>
-        </p:nvPicPr>
-        <p:blipFill>
-          <a:blip r:embed="rId3">
-            <a:extLst>
-              <a:ext uri="{28A0092B-C50C-407E-A947-70E740481C1C}">
-                <a14:useLocalDpi xmlns:a14="http://schemas.microsoft.com/office/drawing/2010/main" val="0"/>
-              </a:ext>
-            </a:extLst>
-          </a:blip>
-          <a:stretch>
-            <a:fillRect/>
-          </a:stretch>
-        </p:blipFill>
-        <p:spPr>
-          <a:xfrm>
-            <a:off x="2568992" y="9178572"/>
-            <a:ext cx="825609" cy="812940"/>
-          </a:xfrm>
-          <a:prstGeom prst="rect">
-            <a:avLst/>
-          </a:prstGeom>
-        </p:spPr>
-      </p:pic>
-      <p:pic>
-        <p:nvPicPr>
-          <p:cNvPr id="34" name="Immagine 33">
-            <a:extLst>
-              <a:ext uri="{FF2B5EF4-FFF2-40B4-BE49-F238E27FC236}">
-                <a16:creationId xmlns:a16="http://schemas.microsoft.com/office/drawing/2014/main" id="{4AC369D3-FE29-47D7-B148-3F5CEF347DF7}"/>
-              </a:ext>
-            </a:extLst>
-          </p:cNvPr>
-          <p:cNvPicPr>
-            <a:picLocks noChangeAspect="1"/>
-          </p:cNvPicPr>
-          <p:nvPr/>
-        </p:nvPicPr>
-        <p:blipFill>
-          <a:blip r:embed="rId12">
-            <a:extLst>
-              <a:ext uri="{28A0092B-C50C-407E-A947-70E740481C1C}">
-                <a14:useLocalDpi xmlns:a14="http://schemas.microsoft.com/office/drawing/2010/main" val="0"/>
-              </a:ext>
-            </a:extLst>
-          </a:blip>
-          <a:stretch>
-            <a:fillRect/>
-          </a:stretch>
-        </p:blipFill>
-        <p:spPr>
-          <a:xfrm>
-            <a:off x="3403138" y="9181527"/>
-            <a:ext cx="787684" cy="803758"/>
-          </a:xfrm>
-          <a:prstGeom prst="rect">
-            <a:avLst/>
-          </a:prstGeom>
-        </p:spPr>
-      </p:pic>
-      <p:pic>
-        <p:nvPicPr>
-          <p:cNvPr id="35" name="Immagine 34">
-            <a:extLst>
-              <a:ext uri="{FF2B5EF4-FFF2-40B4-BE49-F238E27FC236}">
-                <a16:creationId xmlns:a16="http://schemas.microsoft.com/office/drawing/2014/main" id="{677DCF13-8A77-4B3C-B34C-5277922B657B}"/>
-              </a:ext>
-            </a:extLst>
-          </p:cNvPr>
-          <p:cNvPicPr>
-            <a:picLocks noChangeAspect="1"/>
-          </p:cNvPicPr>
-          <p:nvPr/>
-        </p:nvPicPr>
-        <p:blipFill>
-          <a:blip r:embed="rId3">
-            <a:extLst>
-              <a:ext uri="{28A0092B-C50C-407E-A947-70E740481C1C}">
-                <a14:useLocalDpi xmlns:a14="http://schemas.microsoft.com/office/drawing/2010/main" val="0"/>
-              </a:ext>
-            </a:extLst>
-          </a:blip>
-          <a:stretch>
-            <a:fillRect/>
-          </a:stretch>
-        </p:blipFill>
-        <p:spPr>
-          <a:xfrm>
-            <a:off x="4177570" y="9178572"/>
-            <a:ext cx="825609" cy="812940"/>
-          </a:xfrm>
-          <a:prstGeom prst="rect">
-            <a:avLst/>
-          </a:prstGeom>
-        </p:spPr>
-      </p:pic>
-      <p:pic>
-        <p:nvPicPr>
-          <p:cNvPr id="37" name="Immagine 36">
-            <a:extLst>
-              <a:ext uri="{FF2B5EF4-FFF2-40B4-BE49-F238E27FC236}">
-                <a16:creationId xmlns:a16="http://schemas.microsoft.com/office/drawing/2014/main" id="{7DC30BD7-A5A9-48BD-ABD2-7A6678CFC599}"/>
-              </a:ext>
-            </a:extLst>
-          </p:cNvPr>
-          <p:cNvPicPr>
-            <a:picLocks noChangeAspect="1"/>
-          </p:cNvPicPr>
-          <p:nvPr/>
-        </p:nvPicPr>
-        <p:blipFill>
-          <a:blip r:embed="rId13">
-            <a:extLst>
-              <a:ext uri="{28A0092B-C50C-407E-A947-70E740481C1C}">
-                <a14:useLocalDpi xmlns:a14="http://schemas.microsoft.com/office/drawing/2010/main" val="0"/>
-              </a:ext>
-            </a:extLst>
-          </a:blip>
-          <a:stretch>
-            <a:fillRect/>
-          </a:stretch>
-        </p:blipFill>
-        <p:spPr>
-          <a:xfrm>
-            <a:off x="5003179" y="9166529"/>
-            <a:ext cx="783817" cy="803760"/>
-          </a:xfrm>
-          <a:prstGeom prst="rect">
-            <a:avLst/>
-          </a:prstGeom>
-        </p:spPr>
-      </p:pic>
-      <p:pic>
-        <p:nvPicPr>
-          <p:cNvPr id="38" name="Immagine 37">
-            <a:extLst>
-              <a:ext uri="{FF2B5EF4-FFF2-40B4-BE49-F238E27FC236}">
-                <a16:creationId xmlns:a16="http://schemas.microsoft.com/office/drawing/2014/main" id="{0AF3FF73-1585-4C75-A802-33E27BD83B57}"/>
-              </a:ext>
-            </a:extLst>
-          </p:cNvPr>
-          <p:cNvPicPr>
-            <a:picLocks noChangeAspect="1"/>
-          </p:cNvPicPr>
-          <p:nvPr/>
-        </p:nvPicPr>
-        <p:blipFill>
-          <a:blip r:embed="rId7">
-            <a:extLst>
-              <a:ext uri="{28A0092B-C50C-407E-A947-70E740481C1C}">
-                <a14:useLocalDpi xmlns:a14="http://schemas.microsoft.com/office/drawing/2010/main" val="0"/>
-              </a:ext>
-            </a:extLst>
-          </a:blip>
-          <a:stretch>
-            <a:fillRect/>
-          </a:stretch>
-        </p:blipFill>
-        <p:spPr>
-          <a:xfrm>
-            <a:off x="4999026" y="8379061"/>
-            <a:ext cx="792123" cy="802464"/>
-          </a:xfrm>
-          <a:prstGeom prst="rect">
-            <a:avLst/>
-          </a:prstGeom>
-        </p:spPr>
-      </p:pic>
-      <p:pic>
-        <p:nvPicPr>
-          <p:cNvPr id="40" name="Immagine 39">
-            <a:extLst>
-              <a:ext uri="{FF2B5EF4-FFF2-40B4-BE49-F238E27FC236}">
-                <a16:creationId xmlns:a16="http://schemas.microsoft.com/office/drawing/2014/main" id="{55581173-8ABE-487C-AAA0-092B732FF6B0}"/>
-              </a:ext>
-            </a:extLst>
-          </p:cNvPr>
-          <p:cNvPicPr>
-            <a:picLocks noChangeAspect="1"/>
-          </p:cNvPicPr>
-          <p:nvPr/>
-        </p:nvPicPr>
-        <p:blipFill>
-          <a:blip r:embed="rId14">
-            <a:extLst>
-              <a:ext uri="{28A0092B-C50C-407E-A947-70E740481C1C}">
-                <a14:useLocalDpi xmlns:a14="http://schemas.microsoft.com/office/drawing/2010/main" val="0"/>
-              </a:ext>
-            </a:extLst>
-          </a:blip>
-          <a:stretch>
-            <a:fillRect/>
-          </a:stretch>
-        </p:blipFill>
-        <p:spPr>
-          <a:xfrm>
-            <a:off x="4993207" y="7583459"/>
-            <a:ext cx="803760" cy="803760"/>
-          </a:xfrm>
-          <a:prstGeom prst="rect">
-            <a:avLst/>
-          </a:prstGeom>
-        </p:spPr>
-      </p:pic>
-      <p:pic>
-        <p:nvPicPr>
-          <p:cNvPr id="41" name="Immagine 40">
-            <a:extLst>
-              <a:ext uri="{FF2B5EF4-FFF2-40B4-BE49-F238E27FC236}">
-                <a16:creationId xmlns:a16="http://schemas.microsoft.com/office/drawing/2014/main" id="{8990A866-0D7D-4CDA-B3E4-8171BE313204}"/>
-              </a:ext>
-            </a:extLst>
-          </p:cNvPr>
-          <p:cNvPicPr>
-            <a:picLocks noChangeAspect="1"/>
-          </p:cNvPicPr>
-          <p:nvPr/>
-        </p:nvPicPr>
-        <p:blipFill>
-          <a:blip r:embed="rId7">
-            <a:extLst>
-              <a:ext uri="{28A0092B-C50C-407E-A947-70E740481C1C}">
-                <a14:useLocalDpi xmlns:a14="http://schemas.microsoft.com/office/drawing/2010/main" val="0"/>
-              </a:ext>
-            </a:extLst>
-          </a:blip>
-          <a:stretch>
-            <a:fillRect/>
-          </a:stretch>
-        </p:blipFill>
-        <p:spPr>
-          <a:xfrm>
-            <a:off x="4999026" y="6773470"/>
-            <a:ext cx="792123" cy="802464"/>
-          </a:xfrm>
-          <a:prstGeom prst="rect">
-            <a:avLst/>
-          </a:prstGeom>
-        </p:spPr>
-      </p:pic>
-      <p:pic>
-        <p:nvPicPr>
-          <p:cNvPr id="43" name="Immagine 42">
-            <a:extLst>
-              <a:ext uri="{FF2B5EF4-FFF2-40B4-BE49-F238E27FC236}">
-                <a16:creationId xmlns:a16="http://schemas.microsoft.com/office/drawing/2014/main" id="{CAD2966F-74B8-404F-A9E0-70ED3C582431}"/>
-              </a:ext>
-            </a:extLst>
-          </p:cNvPr>
-          <p:cNvPicPr>
-            <a:picLocks noChangeAspect="1"/>
-          </p:cNvPicPr>
-          <p:nvPr/>
-        </p:nvPicPr>
-        <p:blipFill>
-          <a:blip r:embed="rId15">
-            <a:extLst>
-              <a:ext uri="{28A0092B-C50C-407E-A947-70E740481C1C}">
-                <a14:useLocalDpi xmlns:a14="http://schemas.microsoft.com/office/drawing/2010/main" val="0"/>
-              </a:ext>
-            </a:extLst>
-          </a:blip>
-          <a:stretch>
-            <a:fillRect/>
-          </a:stretch>
-        </p:blipFill>
-        <p:spPr>
-          <a:xfrm rot="10800000">
-            <a:off x="4981751" y="5981635"/>
-            <a:ext cx="803760" cy="797655"/>
-          </a:xfrm>
-          <a:prstGeom prst="rect">
-            <a:avLst/>
-          </a:prstGeom>
-        </p:spPr>
-      </p:pic>
-      <p:pic>
-        <p:nvPicPr>
-          <p:cNvPr id="44" name="Immagine 43">
-            <a:extLst>
-              <a:ext uri="{FF2B5EF4-FFF2-40B4-BE49-F238E27FC236}">
-                <a16:creationId xmlns:a16="http://schemas.microsoft.com/office/drawing/2014/main" id="{748B30E1-E7FE-40E5-8502-7130EA6E09BA}"/>
-              </a:ext>
-            </a:extLst>
-          </p:cNvPr>
-          <p:cNvPicPr>
-            <a:picLocks noChangeAspect="1"/>
-          </p:cNvPicPr>
-          <p:nvPr/>
-        </p:nvPicPr>
-        <p:blipFill>
-          <a:blip r:embed="rId7">
-            <a:extLst>
-              <a:ext uri="{28A0092B-C50C-407E-A947-70E740481C1C}">
-                <a14:useLocalDpi xmlns:a14="http://schemas.microsoft.com/office/drawing/2010/main" val="0"/>
-              </a:ext>
-            </a:extLst>
-          </a:blip>
-          <a:stretch>
-            <a:fillRect/>
-          </a:stretch>
-        </p:blipFill>
-        <p:spPr>
-          <a:xfrm>
-            <a:off x="4992804" y="5169644"/>
-            <a:ext cx="804562" cy="815065"/>
-          </a:xfrm>
-          <a:prstGeom prst="rect">
-            <a:avLst/>
-          </a:prstGeom>
-        </p:spPr>
-      </p:pic>
-      <p:sp>
-        <p:nvSpPr>
-          <p:cNvPr id="45" name="Rettangolo 44">
-            <a:extLst>
-              <a:ext uri="{FF2B5EF4-FFF2-40B4-BE49-F238E27FC236}">
-                <a16:creationId xmlns:a16="http://schemas.microsoft.com/office/drawing/2014/main" id="{9E9D4123-7E7A-4A55-8EED-E5B64B4E5B24}"/>
+                <a16:creationId xmlns:a16="http://schemas.microsoft.com/office/drawing/2014/main" id="{AC848EAB-ABB5-4DFF-BBFD-EA67E8253088}"/>
               </a:ext>
             </a:extLst>
           </p:cNvPr>
@@ -3843,14 +2987,27 @@
         </p:nvSpPr>
         <p:spPr>
           <a:xfrm>
-            <a:off x="157949" y="4335098"/>
-            <a:ext cx="5627564" cy="5650188"/>
+            <a:off x="3186875" y="333829"/>
+            <a:ext cx="13315868" cy="11589522"/>
           </a:xfrm>
           <a:prstGeom prst="rect">
             <a:avLst/>
           </a:prstGeom>
-          <a:noFill/>
-          <a:ln w="76200"/>
+          <a:solidFill>
+            <a:schemeClr val="accent1">
+              <a:lumMod val="50000"/>
+            </a:schemeClr>
+          </a:solidFill>
+          <a:ln w="76200">
+            <a:noFill/>
+          </a:ln>
+          <a:effectLst>
+            <a:outerShdw blurRad="63500" sx="102000" sy="102000" algn="ctr" rotWithShape="0">
+              <a:prstClr val="black">
+                <a:alpha val="40000"/>
+              </a:prstClr>
+            </a:outerShdw>
+          </a:effectLst>
         </p:spPr>
         <p:style>
           <a:lnRef idx="2">
@@ -3873,16 +3030,78 @@
           <a:lstStyle/>
           <a:p>
             <a:pPr algn="ctr"/>
+            <a:endParaRPr lang="it-IT"/>
+          </a:p>
+        </p:txBody>
+      </p:sp>
+      <p:sp>
+        <p:nvSpPr>
+          <p:cNvPr id="45" name="Rettangolo 44">
+            <a:extLst>
+              <a:ext uri="{FF2B5EF4-FFF2-40B4-BE49-F238E27FC236}">
+                <a16:creationId xmlns:a16="http://schemas.microsoft.com/office/drawing/2014/main" id="{9E9D4123-7E7A-4A55-8EED-E5B64B4E5B24}"/>
+              </a:ext>
+            </a:extLst>
+          </p:cNvPr>
+          <p:cNvSpPr/>
+          <p:nvPr/>
+        </p:nvSpPr>
+        <p:spPr>
+          <a:xfrm>
+            <a:off x="3186875" y="268649"/>
+            <a:ext cx="13315868" cy="11654702"/>
+          </a:xfrm>
+          <a:prstGeom prst="rect">
+            <a:avLst/>
+          </a:prstGeom>
+          <a:noFill/>
+          <a:ln w="114300">
+            <a:solidFill>
+              <a:schemeClr val="accent4">
+                <a:lumMod val="60000"/>
+                <a:lumOff val="40000"/>
+              </a:schemeClr>
+            </a:solidFill>
+          </a:ln>
+          <a:effectLst>
+            <a:outerShdw blurRad="50800" dist="38100" dir="5400000" algn="t" rotWithShape="0">
+              <a:prstClr val="black">
+                <a:alpha val="40000"/>
+              </a:prstClr>
+            </a:outerShdw>
+          </a:effectLst>
+        </p:spPr>
+        <p:style>
+          <a:lnRef idx="2">
+            <a:schemeClr val="accent1">
+              <a:shade val="50000"/>
+            </a:schemeClr>
+          </a:lnRef>
+          <a:fillRef idx="1">
+            <a:schemeClr val="accent1"/>
+          </a:fillRef>
+          <a:effectRef idx="0">
+            <a:schemeClr val="accent1"/>
+          </a:effectRef>
+          <a:fontRef idx="minor">
+            <a:schemeClr val="lt1"/>
+          </a:fontRef>
+        </p:style>
+        <p:txBody>
+          <a:bodyPr rtlCol="0" anchor="ctr"/>
+          <a:lstStyle/>
+          <a:p>
+            <a:pPr algn="ctr"/>
             <a:endParaRPr lang="it-IT" sz="1801"/>
           </a:p>
         </p:txBody>
       </p:sp>
       <p:pic>
         <p:nvPicPr>
-          <p:cNvPr id="50" name="Immagine 49">
+          <p:cNvPr id="19" name="Immagine 18">
             <a:extLst>
               <a:ext uri="{FF2B5EF4-FFF2-40B4-BE49-F238E27FC236}">
-                <a16:creationId xmlns:a16="http://schemas.microsoft.com/office/drawing/2014/main" id="{C673617E-D7BF-43B0-93B9-F14DED066757}"/>
+                <a16:creationId xmlns:a16="http://schemas.microsoft.com/office/drawing/2014/main" id="{7A4C7ED4-8ACB-4CB5-94E2-65F6831C5AAC}"/>
               </a:ext>
             </a:extLst>
           </p:cNvPr>
@@ -3892,7 +3111,7 @@
           <p:nvPr/>
         </p:nvPicPr>
         <p:blipFill>
-          <a:blip r:embed="rId16">
+          <a:blip r:embed="rId2">
             <a:extLst>
               <a:ext uri="{28A0092B-C50C-407E-A947-70E740481C1C}">
                 <a14:useLocalDpi xmlns:a14="http://schemas.microsoft.com/office/drawing/2010/main" val="0"/>
@@ -3905,20 +3124,27 @@
         </p:blipFill>
         <p:spPr>
           <a:xfrm>
-            <a:off x="3396353" y="7588725"/>
-            <a:ext cx="794471" cy="798494"/>
+            <a:off x="5692401" y="3523666"/>
+            <a:ext cx="5144668" cy="5144668"/>
           </a:xfrm>
           <a:prstGeom prst="rect">
             <a:avLst/>
           </a:prstGeom>
+          <a:effectLst>
+            <a:innerShdw blurRad="63500" dist="50800">
+              <a:prstClr val="black">
+                <a:alpha val="50000"/>
+              </a:prstClr>
+            </a:innerShdw>
+          </a:effectLst>
         </p:spPr>
       </p:pic>
       <p:pic>
         <p:nvPicPr>
-          <p:cNvPr id="53" name="Immagine 52">
+          <p:cNvPr id="22" name="Immagine 21">
             <a:extLst>
               <a:ext uri="{FF2B5EF4-FFF2-40B4-BE49-F238E27FC236}">
-                <a16:creationId xmlns:a16="http://schemas.microsoft.com/office/drawing/2014/main" id="{6C809A7C-4425-464C-BD96-A99125ABDC1C}"/>
+                <a16:creationId xmlns:a16="http://schemas.microsoft.com/office/drawing/2014/main" id="{53104F67-85AD-4A3C-94A5-80E707467736}"/>
               </a:ext>
             </a:extLst>
           </p:cNvPr>
@@ -3927,98 +3153,38 @@
           </p:cNvPicPr>
           <p:nvPr/>
         </p:nvPicPr>
-        <p:blipFill>
-          <a:blip r:embed="rId17">
+        <p:blipFill rotWithShape="1">
+          <a:blip r:embed="rId3">
             <a:extLst>
               <a:ext uri="{28A0092B-C50C-407E-A947-70E740481C1C}">
                 <a14:useLocalDpi xmlns:a14="http://schemas.microsoft.com/office/drawing/2010/main" val="0"/>
               </a:ext>
             </a:extLst>
           </a:blip>
-          <a:stretch>
-            <a:fillRect/>
-          </a:stretch>
-        </p:blipFill>
-        <p:spPr>
-          <a:xfrm rot="10800000">
-            <a:off x="3394600" y="5987021"/>
-            <a:ext cx="796220" cy="796220"/>
-          </a:xfrm>
-          <a:prstGeom prst="rect">
-            <a:avLst/>
-          </a:prstGeom>
-        </p:spPr>
-      </p:pic>
-      <p:pic>
-        <p:nvPicPr>
-          <p:cNvPr id="56" name="Immagine 55">
-            <a:extLst>
-              <a:ext uri="{FF2B5EF4-FFF2-40B4-BE49-F238E27FC236}">
-                <a16:creationId xmlns:a16="http://schemas.microsoft.com/office/drawing/2014/main" id="{97230164-DE7F-40B0-A64E-2394D4F953EF}"/>
-              </a:ext>
-            </a:extLst>
-          </p:cNvPr>
-          <p:cNvPicPr>
-            <a:picLocks noChangeAspect="1"/>
-          </p:cNvPicPr>
-          <p:nvPr/>
-        </p:nvPicPr>
-        <p:blipFill>
-          <a:blip r:embed="rId18">
-            <a:extLst>
-              <a:ext uri="{28A0092B-C50C-407E-A947-70E740481C1C}">
-                <a14:useLocalDpi xmlns:a14="http://schemas.microsoft.com/office/drawing/2010/main" val="0"/>
-              </a:ext>
-            </a:extLst>
-          </a:blip>
-          <a:stretch>
-            <a:fillRect/>
-          </a:stretch>
-        </p:blipFill>
-        <p:spPr>
-          <a:xfrm rot="10800000">
-            <a:off x="1802663" y="5993608"/>
-            <a:ext cx="820005" cy="789634"/>
-          </a:xfrm>
-          <a:prstGeom prst="rect">
-            <a:avLst/>
-          </a:prstGeom>
-        </p:spPr>
-      </p:pic>
-      <p:pic>
-        <p:nvPicPr>
-          <p:cNvPr id="59" name="Immagine 58">
-            <a:extLst>
-              <a:ext uri="{FF2B5EF4-FFF2-40B4-BE49-F238E27FC236}">
-                <a16:creationId xmlns:a16="http://schemas.microsoft.com/office/drawing/2014/main" id="{ABA849BA-C64F-41A5-91FC-0BE967D17BD1}"/>
-              </a:ext>
-            </a:extLst>
-          </p:cNvPr>
-          <p:cNvPicPr>
-            <a:picLocks noChangeAspect="1"/>
-          </p:cNvPicPr>
-          <p:nvPr/>
-        </p:nvPicPr>
-        <p:blipFill>
-          <a:blip r:embed="rId19">
-            <a:extLst>
-              <a:ext uri="{28A0092B-C50C-407E-A947-70E740481C1C}">
-                <a14:useLocalDpi xmlns:a14="http://schemas.microsoft.com/office/drawing/2010/main" val="0"/>
-              </a:ext>
-            </a:extLst>
-          </a:blip>
-          <a:stretch>
-            <a:fillRect/>
-          </a:stretch>
+          <a:srcRect t="15922" b="17448"/>
+          <a:stretch/>
         </p:blipFill>
         <p:spPr>
           <a:xfrm>
-            <a:off x="1786023" y="7597159"/>
-            <a:ext cx="796183" cy="790059"/>
+            <a:off x="10837069" y="4442667"/>
+            <a:ext cx="2978609" cy="2988648"/>
           </a:xfrm>
-          <a:prstGeom prst="rect">
+          <a:prstGeom prst="ellipse">
             <a:avLst/>
           </a:prstGeom>
+          <a:effectLst>
+            <a:glow rad="63500">
+              <a:schemeClr val="accent4">
+                <a:satMod val="175000"/>
+                <a:alpha val="40000"/>
+              </a:schemeClr>
+            </a:glow>
+            <a:innerShdw blurRad="63500" dist="50800" dir="13500000">
+              <a:prstClr val="black">
+                <a:alpha val="50000"/>
+              </a:prstClr>
+            </a:innerShdw>
+          </a:effectLst>
         </p:spPr>
       </p:pic>
     </p:spTree>
